--- a/graphics.pptx
+++ b/graphics.pptx
@@ -6,7 +6,8 @@
   </p:sldMasterIdLst>
   <p:sldIdLst>
     <p:sldId id="266" r:id="rId2"/>
-    <p:sldId id="267" r:id="rId3"/>
+    <p:sldId id="268" r:id="rId3"/>
+    <p:sldId id="269" r:id="rId4"/>
   </p:sldIdLst>
   <p:sldSz cx="14538325" cy="7864475"/>
   <p:notesSz cx="6858000" cy="9144000"/>
@@ -244,7 +245,7 @@
           <a:p>
             <a:fld id="{37EB6402-05E5-42B7-89F1-73D1DC343623}" type="datetimeFigureOut">
               <a:rPr lang="en-US" smtClean="0"/>
-              <a:t>8/19/2018</a:t>
+              <a:t>8/20/2018</a:t>
             </a:fld>
             <a:endParaRPr lang="en-US"/>
           </a:p>
@@ -414,7 +415,7 @@
           <a:p>
             <a:fld id="{37EB6402-05E5-42B7-89F1-73D1DC343623}" type="datetimeFigureOut">
               <a:rPr lang="en-US" smtClean="0"/>
-              <a:t>8/19/2018</a:t>
+              <a:t>8/20/2018</a:t>
             </a:fld>
             <a:endParaRPr lang="en-US"/>
           </a:p>
@@ -594,7 +595,7 @@
           <a:p>
             <a:fld id="{37EB6402-05E5-42B7-89F1-73D1DC343623}" type="datetimeFigureOut">
               <a:rPr lang="en-US" smtClean="0"/>
-              <a:t>8/19/2018</a:t>
+              <a:t>8/20/2018</a:t>
             </a:fld>
             <a:endParaRPr lang="en-US"/>
           </a:p>
@@ -764,7 +765,7 @@
           <a:p>
             <a:fld id="{37EB6402-05E5-42B7-89F1-73D1DC343623}" type="datetimeFigureOut">
               <a:rPr lang="en-US" smtClean="0"/>
-              <a:t>8/19/2018</a:t>
+              <a:t>8/20/2018</a:t>
             </a:fld>
             <a:endParaRPr lang="en-US"/>
           </a:p>
@@ -1010,7 +1011,7 @@
           <a:p>
             <a:fld id="{37EB6402-05E5-42B7-89F1-73D1DC343623}" type="datetimeFigureOut">
               <a:rPr lang="en-US" smtClean="0"/>
-              <a:t>8/19/2018</a:t>
+              <a:t>8/20/2018</a:t>
             </a:fld>
             <a:endParaRPr lang="en-US"/>
           </a:p>
@@ -1242,7 +1243,7 @@
           <a:p>
             <a:fld id="{37EB6402-05E5-42B7-89F1-73D1DC343623}" type="datetimeFigureOut">
               <a:rPr lang="en-US" smtClean="0"/>
-              <a:t>8/19/2018</a:t>
+              <a:t>8/20/2018</a:t>
             </a:fld>
             <a:endParaRPr lang="en-US"/>
           </a:p>
@@ -1609,7 +1610,7 @@
           <a:p>
             <a:fld id="{37EB6402-05E5-42B7-89F1-73D1DC343623}" type="datetimeFigureOut">
               <a:rPr lang="en-US" smtClean="0"/>
-              <a:t>8/19/2018</a:t>
+              <a:t>8/20/2018</a:t>
             </a:fld>
             <a:endParaRPr lang="en-US"/>
           </a:p>
@@ -1727,7 +1728,7 @@
           <a:p>
             <a:fld id="{37EB6402-05E5-42B7-89F1-73D1DC343623}" type="datetimeFigureOut">
               <a:rPr lang="en-US" smtClean="0"/>
-              <a:t>8/19/2018</a:t>
+              <a:t>8/20/2018</a:t>
             </a:fld>
             <a:endParaRPr lang="en-US"/>
           </a:p>
@@ -1822,7 +1823,7 @@
           <a:p>
             <a:fld id="{37EB6402-05E5-42B7-89F1-73D1DC343623}" type="datetimeFigureOut">
               <a:rPr lang="en-US" smtClean="0"/>
-              <a:t>8/19/2018</a:t>
+              <a:t>8/20/2018</a:t>
             </a:fld>
             <a:endParaRPr lang="en-US"/>
           </a:p>
@@ -2099,7 +2100,7 @@
           <a:p>
             <a:fld id="{37EB6402-05E5-42B7-89F1-73D1DC343623}" type="datetimeFigureOut">
               <a:rPr lang="en-US" smtClean="0"/>
-              <a:t>8/19/2018</a:t>
+              <a:t>8/20/2018</a:t>
             </a:fld>
             <a:endParaRPr lang="en-US"/>
           </a:p>
@@ -2356,7 +2357,7 @@
           <a:p>
             <a:fld id="{37EB6402-05E5-42B7-89F1-73D1DC343623}" type="datetimeFigureOut">
               <a:rPr lang="en-US" smtClean="0"/>
-              <a:t>8/19/2018</a:t>
+              <a:t>8/20/2018</a:t>
             </a:fld>
             <a:endParaRPr lang="en-US"/>
           </a:p>
@@ -2569,7 +2570,7 @@
           <a:p>
             <a:fld id="{37EB6402-05E5-42B7-89F1-73D1DC343623}" type="datetimeFigureOut">
               <a:rPr lang="en-US" smtClean="0"/>
-              <a:t>8/19/2018</a:t>
+              <a:t>8/20/2018</a:t>
             </a:fld>
             <a:endParaRPr lang="en-US"/>
           </a:p>
@@ -4286,8 +4287,8 @@
         </p:nvCxnSpPr>
         <p:spPr>
           <a:xfrm>
-            <a:off x="3029862" y="2062791"/>
-            <a:ext cx="866317" cy="5495"/>
+            <a:off x="3029863" y="2062791"/>
+            <a:ext cx="866316" cy="5495"/>
           </a:xfrm>
           <a:prstGeom prst="straightConnector1">
             <a:avLst/>
@@ -5090,111 +5091,407 @@
           </a:p>
         </p:txBody>
       </p:sp>
-      <p:sp>
-        <p:nvSpPr>
-          <p:cNvPr id="117" name="TextBox 116">
-            <a:extLst>
-              <a:ext uri="{FF2B5EF4-FFF2-40B4-BE49-F238E27FC236}">
-                <a16:creationId xmlns:a16="http://schemas.microsoft.com/office/drawing/2014/main" id="{125FB6B6-1A16-49AD-B5A7-F73C69CFB67B}"/>
-              </a:ext>
-            </a:extLst>
-          </p:cNvPr>
-          <p:cNvSpPr txBox="1"/>
-          <p:nvPr/>
-        </p:nvSpPr>
-        <p:spPr>
-          <a:xfrm>
-            <a:off x="2607952" y="1878125"/>
-            <a:ext cx="421910" cy="369332"/>
-          </a:xfrm>
-          <a:prstGeom prst="rect">
-            <a:avLst/>
-          </a:prstGeom>
-          <a:noFill/>
-        </p:spPr>
-        <p:txBody>
-          <a:bodyPr wrap="none" rtlCol="0">
-            <a:spAutoFit/>
-          </a:bodyPr>
-          <a:lstStyle/>
-          <a:p>
-            <a:r>
-              <a:rPr lang="en-US" dirty="0"/>
-              <a:t>X1</a:t>
-            </a:r>
-          </a:p>
-        </p:txBody>
-      </p:sp>
-      <p:sp>
-        <p:nvSpPr>
-          <p:cNvPr id="118" name="TextBox 117">
-            <a:extLst>
-              <a:ext uri="{FF2B5EF4-FFF2-40B4-BE49-F238E27FC236}">
-                <a16:creationId xmlns:a16="http://schemas.microsoft.com/office/drawing/2014/main" id="{40129F2B-DCD2-4AFC-81E9-513C55724B92}"/>
-              </a:ext>
-            </a:extLst>
-          </p:cNvPr>
-          <p:cNvSpPr txBox="1"/>
-          <p:nvPr/>
-        </p:nvSpPr>
-        <p:spPr>
-          <a:xfrm>
-            <a:off x="2600859" y="2828532"/>
-            <a:ext cx="421910" cy="369332"/>
-          </a:xfrm>
-          <a:prstGeom prst="rect">
-            <a:avLst/>
-          </a:prstGeom>
-          <a:noFill/>
-        </p:spPr>
-        <p:txBody>
-          <a:bodyPr wrap="none" rtlCol="0">
-            <a:spAutoFit/>
-          </a:bodyPr>
-          <a:lstStyle/>
-          <a:p>
-            <a:r>
-              <a:rPr lang="en-US" dirty="0"/>
-              <a:t>X2</a:t>
-            </a:r>
-          </a:p>
-        </p:txBody>
-      </p:sp>
-      <p:sp>
-        <p:nvSpPr>
-          <p:cNvPr id="119" name="TextBox 118">
-            <a:extLst>
-              <a:ext uri="{FF2B5EF4-FFF2-40B4-BE49-F238E27FC236}">
-                <a16:creationId xmlns:a16="http://schemas.microsoft.com/office/drawing/2014/main" id="{3C6ACD2D-A8D7-455D-930E-7A38F59FE580}"/>
-              </a:ext>
-            </a:extLst>
-          </p:cNvPr>
-          <p:cNvSpPr txBox="1"/>
-          <p:nvPr/>
-        </p:nvSpPr>
-        <p:spPr>
-          <a:xfrm>
-            <a:off x="2613390" y="3746281"/>
-            <a:ext cx="421910" cy="369332"/>
-          </a:xfrm>
-          <a:prstGeom prst="rect">
-            <a:avLst/>
-          </a:prstGeom>
-          <a:noFill/>
-        </p:spPr>
-        <p:txBody>
-          <a:bodyPr wrap="none" rtlCol="0">
-            <a:spAutoFit/>
-          </a:bodyPr>
-          <a:lstStyle/>
-          <a:p>
-            <a:r>
-              <a:rPr lang="en-US" dirty="0"/>
-              <a:t>X3</a:t>
-            </a:r>
-          </a:p>
-        </p:txBody>
-      </p:sp>
+      <mc:AlternateContent xmlns:mc="http://schemas.openxmlformats.org/markup-compatibility/2006">
+        <mc:Choice xmlns:a14="http://schemas.microsoft.com/office/drawing/2010/main" Requires="a14">
+          <p:sp>
+            <p:nvSpPr>
+              <p:cNvPr id="117" name="TextBox 116">
+                <a:extLst>
+                  <a:ext uri="{FF2B5EF4-FFF2-40B4-BE49-F238E27FC236}">
+                    <a16:creationId xmlns:a16="http://schemas.microsoft.com/office/drawing/2014/main" id="{125FB6B6-1A16-49AD-B5A7-F73C69CFB67B}"/>
+                  </a:ext>
+                </a:extLst>
+              </p:cNvPr>
+              <p:cNvSpPr txBox="1"/>
+              <p:nvPr/>
+            </p:nvSpPr>
+            <p:spPr>
+              <a:xfrm>
+                <a:off x="904352" y="1878125"/>
+                <a:ext cx="2125511" cy="369332"/>
+              </a:xfrm>
+              <a:prstGeom prst="rect">
+                <a:avLst/>
+              </a:prstGeom>
+              <a:noFill/>
+            </p:spPr>
+            <p:txBody>
+              <a:bodyPr wrap="square" rtlCol="0">
+                <a:spAutoFit/>
+              </a:bodyPr>
+              <a:lstStyle/>
+              <a:p>
+                <a14:m>
+                  <m:oMathPara xmlns:m="http://schemas.openxmlformats.org/officeDocument/2006/math">
+                    <m:oMathParaPr>
+                      <m:jc m:val="centerGroup"/>
+                    </m:oMathParaPr>
+                    <m:oMath xmlns:m="http://schemas.openxmlformats.org/officeDocument/2006/math">
+                      <m:sSub>
+                        <m:sSubPr>
+                          <m:ctrlPr>
+                            <a:rPr lang="en-US" i="1" smtClean="0">
+                              <a:latin typeface="Cambria Math" panose="02040503050406030204" pitchFamily="18" charset="0"/>
+                            </a:rPr>
+                          </m:ctrlPr>
+                        </m:sSubPr>
+                        <m:e>
+                          <m:r>
+                            <m:rPr>
+                              <m:nor/>
+                            </m:rPr>
+                            <a:rPr lang="en-US" dirty="0"/>
+                            <m:t>Price</m:t>
+                          </m:r>
+                          <m:r>
+                            <m:rPr>
+                              <m:nor/>
+                            </m:rPr>
+                            <a:rPr lang="en-US" dirty="0"/>
+                            <m:t>/</m:t>
+                          </m:r>
+                          <m:r>
+                            <m:rPr>
+                              <m:nor/>
+                            </m:rPr>
+                            <a:rPr lang="en-US" dirty="0"/>
+                            <m:t>SMA</m:t>
+                          </m:r>
+                          <m:r>
+                            <m:rPr>
+                              <m:nor/>
+                            </m:rPr>
+                            <a:rPr lang="en-US" dirty="0"/>
+                            <m:t> </m:t>
+                          </m:r>
+                          <m:r>
+                            <m:rPr>
+                              <m:nor/>
+                            </m:rPr>
+                            <a:rPr lang="en-US" dirty="0"/>
+                            <m:t>Ratio</m:t>
+                          </m:r>
+                        </m:e>
+                        <m:sub>
+                          <m:r>
+                            <a:rPr lang="en-US" i="1">
+                              <a:latin typeface="Cambria Math" panose="02040503050406030204" pitchFamily="18" charset="0"/>
+                            </a:rPr>
+                            <m:t>𝑡</m:t>
+                          </m:r>
+                        </m:sub>
+                      </m:sSub>
+                    </m:oMath>
+                  </m:oMathPara>
+                </a14:m>
+                <a:endParaRPr lang="en-US" dirty="0"/>
+              </a:p>
+            </p:txBody>
+          </p:sp>
+        </mc:Choice>
+        <mc:Fallback>
+          <p:sp>
+            <p:nvSpPr>
+              <p:cNvPr id="117" name="TextBox 116">
+                <a:extLst>
+                  <a:ext uri="{FF2B5EF4-FFF2-40B4-BE49-F238E27FC236}">
+                    <a16:creationId xmlns:a16="http://schemas.microsoft.com/office/drawing/2014/main" id="{125FB6B6-1A16-49AD-B5A7-F73C69CFB67B}"/>
+                  </a:ext>
+                </a:extLst>
+              </p:cNvPr>
+              <p:cNvSpPr txBox="1">
+                <a:spLocks noRot="1" noChangeAspect="1" noMove="1" noResize="1" noEditPoints="1" noAdjustHandles="1" noChangeArrowheads="1" noChangeShapeType="1" noTextEdit="1"/>
+              </p:cNvSpPr>
+              <p:nvPr/>
+            </p:nvSpPr>
+            <p:spPr>
+              <a:xfrm>
+                <a:off x="904352" y="1878125"/>
+                <a:ext cx="2125511" cy="369332"/>
+              </a:xfrm>
+              <a:prstGeom prst="rect">
+                <a:avLst/>
+              </a:prstGeom>
+              <a:blipFill>
+                <a:blip r:embed="rId2"/>
+                <a:stretch>
+                  <a:fillRect b="-8197"/>
+                </a:stretch>
+              </a:blipFill>
+            </p:spPr>
+            <p:txBody>
+              <a:bodyPr/>
+              <a:lstStyle/>
+              <a:p>
+                <a:r>
+                  <a:rPr lang="en-US">
+                    <a:noFill/>
+                  </a:rPr>
+                  <a:t> </a:t>
+                </a:r>
+              </a:p>
+            </p:txBody>
+          </p:sp>
+        </mc:Fallback>
+      </mc:AlternateContent>
+      <mc:AlternateContent xmlns:mc="http://schemas.openxmlformats.org/markup-compatibility/2006">
+        <mc:Choice xmlns:a14="http://schemas.microsoft.com/office/drawing/2010/main" Requires="a14">
+          <p:sp>
+            <p:nvSpPr>
+              <p:cNvPr id="118" name="TextBox 117">
+                <a:extLst>
+                  <a:ext uri="{FF2B5EF4-FFF2-40B4-BE49-F238E27FC236}">
+                    <a16:creationId xmlns:a16="http://schemas.microsoft.com/office/drawing/2014/main" id="{40129F2B-DCD2-4AFC-81E9-513C55724B92}"/>
+                  </a:ext>
+                </a:extLst>
+              </p:cNvPr>
+              <p:cNvSpPr txBox="1"/>
+              <p:nvPr/>
+            </p:nvSpPr>
+            <p:spPr>
+              <a:xfrm>
+                <a:off x="773723" y="2841561"/>
+                <a:ext cx="2211140" cy="369332"/>
+              </a:xfrm>
+              <a:prstGeom prst="rect">
+                <a:avLst/>
+              </a:prstGeom>
+              <a:noFill/>
+            </p:spPr>
+            <p:txBody>
+              <a:bodyPr wrap="square" rtlCol="0">
+                <a:spAutoFit/>
+              </a:bodyPr>
+              <a:lstStyle/>
+              <a:p>
+                <a14:m>
+                  <m:oMathPara xmlns:m="http://schemas.openxmlformats.org/officeDocument/2006/math">
+                    <m:oMathParaPr>
+                      <m:jc m:val="centerGroup"/>
+                    </m:oMathParaPr>
+                    <m:oMath xmlns:m="http://schemas.openxmlformats.org/officeDocument/2006/math">
+                      <m:sSub>
+                        <m:sSubPr>
+                          <m:ctrlPr>
+                            <a:rPr lang="en-US" i="1" smtClean="0">
+                              <a:latin typeface="Cambria Math" panose="02040503050406030204" pitchFamily="18" charset="0"/>
+                            </a:rPr>
+                          </m:ctrlPr>
+                        </m:sSubPr>
+                        <m:e>
+                          <m:r>
+                            <m:rPr>
+                              <m:nor/>
+                            </m:rPr>
+                            <a:rPr lang="en-US" dirty="0"/>
+                            <m:t>Bollinger</m:t>
+                          </m:r>
+                          <m:r>
+                            <m:rPr>
+                              <m:nor/>
+                            </m:rPr>
+                            <a:rPr lang="en-US" dirty="0"/>
+                            <m:t> </m:t>
+                          </m:r>
+                          <m:r>
+                            <m:rPr>
+                              <m:nor/>
+                            </m:rPr>
+                            <a:rPr lang="en-US" dirty="0"/>
+                            <m:t>Band</m:t>
+                          </m:r>
+                          <m:r>
+                            <m:rPr>
+                              <m:nor/>
+                            </m:rPr>
+                            <a:rPr lang="en-US" dirty="0"/>
+                            <m:t> </m:t>
+                          </m:r>
+                          <m:r>
+                            <m:rPr>
+                              <m:nor/>
+                            </m:rPr>
+                            <a:rPr lang="en-US" dirty="0"/>
+                            <m:t>Value</m:t>
+                          </m:r>
+                        </m:e>
+                        <m:sub>
+                          <m:r>
+                            <a:rPr lang="en-US" b="0" i="1" smtClean="0">
+                              <a:latin typeface="Cambria Math" panose="02040503050406030204" pitchFamily="18" charset="0"/>
+                            </a:rPr>
+                            <m:t>𝑡</m:t>
+                          </m:r>
+                        </m:sub>
+                      </m:sSub>
+                    </m:oMath>
+                  </m:oMathPara>
+                </a14:m>
+                <a:endParaRPr lang="en-US" dirty="0"/>
+              </a:p>
+            </p:txBody>
+          </p:sp>
+        </mc:Choice>
+        <mc:Fallback>
+          <p:sp>
+            <p:nvSpPr>
+              <p:cNvPr id="118" name="TextBox 117">
+                <a:extLst>
+                  <a:ext uri="{FF2B5EF4-FFF2-40B4-BE49-F238E27FC236}">
+                    <a16:creationId xmlns:a16="http://schemas.microsoft.com/office/drawing/2014/main" id="{40129F2B-DCD2-4AFC-81E9-513C55724B92}"/>
+                  </a:ext>
+                </a:extLst>
+              </p:cNvPr>
+              <p:cNvSpPr txBox="1">
+                <a:spLocks noRot="1" noChangeAspect="1" noMove="1" noResize="1" noEditPoints="1" noAdjustHandles="1" noChangeArrowheads="1" noChangeShapeType="1" noTextEdit="1"/>
+              </p:cNvSpPr>
+              <p:nvPr/>
+            </p:nvSpPr>
+            <p:spPr>
+              <a:xfrm>
+                <a:off x="773723" y="2841561"/>
+                <a:ext cx="2211140" cy="369332"/>
+              </a:xfrm>
+              <a:prstGeom prst="rect">
+                <a:avLst/>
+              </a:prstGeom>
+              <a:blipFill>
+                <a:blip r:embed="rId3"/>
+                <a:stretch>
+                  <a:fillRect l="-275" b="-9836"/>
+                </a:stretch>
+              </a:blipFill>
+            </p:spPr>
+            <p:txBody>
+              <a:bodyPr/>
+              <a:lstStyle/>
+              <a:p>
+                <a:r>
+                  <a:rPr lang="en-US">
+                    <a:noFill/>
+                  </a:rPr>
+                  <a:t> </a:t>
+                </a:r>
+              </a:p>
+            </p:txBody>
+          </p:sp>
+        </mc:Fallback>
+      </mc:AlternateContent>
+      <mc:AlternateContent xmlns:mc="http://schemas.openxmlformats.org/markup-compatibility/2006">
+        <mc:Choice xmlns:a14="http://schemas.microsoft.com/office/drawing/2010/main" Requires="a14">
+          <p:sp>
+            <p:nvSpPr>
+              <p:cNvPr id="119" name="TextBox 118">
+                <a:extLst>
+                  <a:ext uri="{FF2B5EF4-FFF2-40B4-BE49-F238E27FC236}">
+                    <a16:creationId xmlns:a16="http://schemas.microsoft.com/office/drawing/2014/main" id="{3C6ACD2D-A8D7-455D-930E-7A38F59FE580}"/>
+                  </a:ext>
+                </a:extLst>
+              </p:cNvPr>
+              <p:cNvSpPr txBox="1"/>
+              <p:nvPr/>
+            </p:nvSpPr>
+            <p:spPr>
+              <a:xfrm>
+                <a:off x="1577591" y="3746281"/>
+                <a:ext cx="1388707" cy="369332"/>
+              </a:xfrm>
+              <a:prstGeom prst="rect">
+                <a:avLst/>
+              </a:prstGeom>
+              <a:noFill/>
+            </p:spPr>
+            <p:txBody>
+              <a:bodyPr wrap="square" rtlCol="0">
+                <a:spAutoFit/>
+              </a:bodyPr>
+              <a:lstStyle/>
+              <a:p>
+                <a14:m>
+                  <m:oMathPara xmlns:m="http://schemas.openxmlformats.org/officeDocument/2006/math">
+                    <m:oMathParaPr>
+                      <m:jc m:val="centerGroup"/>
+                    </m:oMathParaPr>
+                    <m:oMath xmlns:m="http://schemas.openxmlformats.org/officeDocument/2006/math">
+                      <m:sSub>
+                        <m:sSubPr>
+                          <m:ctrlPr>
+                            <a:rPr lang="en-US" i="1" smtClean="0">
+                              <a:latin typeface="Cambria Math" panose="02040503050406030204" pitchFamily="18" charset="0"/>
+                            </a:rPr>
+                          </m:ctrlPr>
+                        </m:sSubPr>
+                        <m:e>
+                          <m:r>
+                            <m:rPr>
+                              <m:nor/>
+                            </m:rPr>
+                            <a:rPr lang="en-US" b="0" i="0" dirty="0" smtClean="0"/>
+                            <m:t>Volatility</m:t>
+                          </m:r>
+                        </m:e>
+                        <m:sub>
+                          <m:r>
+                            <a:rPr lang="en-US" i="1">
+                              <a:latin typeface="Cambria Math" panose="02040503050406030204" pitchFamily="18" charset="0"/>
+                            </a:rPr>
+                            <m:t>𝑡</m:t>
+                          </m:r>
+                        </m:sub>
+                      </m:sSub>
+                    </m:oMath>
+                  </m:oMathPara>
+                </a14:m>
+                <a:endParaRPr lang="en-US" dirty="0"/>
+              </a:p>
+            </p:txBody>
+          </p:sp>
+        </mc:Choice>
+        <mc:Fallback>
+          <p:sp>
+            <p:nvSpPr>
+              <p:cNvPr id="119" name="TextBox 118">
+                <a:extLst>
+                  <a:ext uri="{FF2B5EF4-FFF2-40B4-BE49-F238E27FC236}">
+                    <a16:creationId xmlns:a16="http://schemas.microsoft.com/office/drawing/2014/main" id="{3C6ACD2D-A8D7-455D-930E-7A38F59FE580}"/>
+                  </a:ext>
+                </a:extLst>
+              </p:cNvPr>
+              <p:cNvSpPr txBox="1">
+                <a:spLocks noRot="1" noChangeAspect="1" noMove="1" noResize="1" noEditPoints="1" noAdjustHandles="1" noChangeArrowheads="1" noChangeShapeType="1" noTextEdit="1"/>
+              </p:cNvSpPr>
+              <p:nvPr/>
+            </p:nvSpPr>
+            <p:spPr>
+              <a:xfrm>
+                <a:off x="1577591" y="3746281"/>
+                <a:ext cx="1388707" cy="369332"/>
+              </a:xfrm>
+              <a:prstGeom prst="rect">
+                <a:avLst/>
+              </a:prstGeom>
+              <a:blipFill>
+                <a:blip r:embed="rId4"/>
+                <a:stretch>
+                  <a:fillRect b="-10000"/>
+                </a:stretch>
+              </a:blipFill>
+            </p:spPr>
+            <p:txBody>
+              <a:bodyPr/>
+              <a:lstStyle/>
+              <a:p>
+                <a:r>
+                  <a:rPr lang="en-US">
+                    <a:noFill/>
+                  </a:rPr>
+                  <a:t> </a:t>
+                </a:r>
+              </a:p>
+            </p:txBody>
+          </p:sp>
+        </mc:Fallback>
+      </mc:AlternateContent>
       <p:sp>
         <p:nvSpPr>
           <p:cNvPr id="156" name="Rectangle 155">
@@ -5247,41 +5544,215 @@
           </a:p>
         </p:txBody>
       </p:sp>
-      <p:sp>
-        <p:nvSpPr>
-          <p:cNvPr id="158" name="TextBox 157">
-            <a:extLst>
-              <a:ext uri="{FF2B5EF4-FFF2-40B4-BE49-F238E27FC236}">
-                <a16:creationId xmlns:a16="http://schemas.microsoft.com/office/drawing/2014/main" id="{13D10788-27AC-411C-B5A3-F682EF6F95F4}"/>
-              </a:ext>
-            </a:extLst>
-          </p:cNvPr>
-          <p:cNvSpPr txBox="1"/>
-          <p:nvPr/>
-        </p:nvSpPr>
-        <p:spPr>
-          <a:xfrm>
-            <a:off x="8431439" y="2843665"/>
-            <a:ext cx="1141851" cy="369332"/>
-          </a:xfrm>
-          <a:prstGeom prst="rect">
-            <a:avLst/>
-          </a:prstGeom>
-          <a:noFill/>
-        </p:spPr>
-        <p:txBody>
-          <a:bodyPr wrap="none" rtlCol="0">
-            <a:spAutoFit/>
-          </a:bodyPr>
-          <a:lstStyle/>
-          <a:p>
-            <a:r>
-              <a:rPr lang="en-US" dirty="0"/>
-              <a:t>Prediction</a:t>
-            </a:r>
-          </a:p>
-        </p:txBody>
-      </p:sp>
+      <mc:AlternateContent xmlns:mc="http://schemas.openxmlformats.org/markup-compatibility/2006">
+        <mc:Choice xmlns:a14="http://schemas.microsoft.com/office/drawing/2010/main" Requires="a14">
+          <p:sp>
+            <p:nvSpPr>
+              <p:cNvPr id="158" name="TextBox 157">
+                <a:extLst>
+                  <a:ext uri="{FF2B5EF4-FFF2-40B4-BE49-F238E27FC236}">
+                    <a16:creationId xmlns:a16="http://schemas.microsoft.com/office/drawing/2014/main" id="{13D10788-27AC-411C-B5A3-F682EF6F95F4}"/>
+                  </a:ext>
+                </a:extLst>
+              </p:cNvPr>
+              <p:cNvSpPr txBox="1"/>
+              <p:nvPr/>
+            </p:nvSpPr>
+            <p:spPr>
+              <a:xfrm>
+                <a:off x="8474981" y="2843665"/>
+                <a:ext cx="2989472" cy="369332"/>
+              </a:xfrm>
+              <a:prstGeom prst="rect">
+                <a:avLst/>
+              </a:prstGeom>
+              <a:noFill/>
+            </p:spPr>
+            <p:txBody>
+              <a:bodyPr wrap="none" rtlCol="0">
+                <a:spAutoFit/>
+              </a:bodyPr>
+              <a:lstStyle/>
+              <a:p>
+                <a:pPr/>
+                <a14:m>
+                  <m:oMathPara xmlns:m="http://schemas.openxmlformats.org/officeDocument/2006/math">
+                    <m:oMathParaPr>
+                      <m:jc m:val="centerGroup"/>
+                    </m:oMathParaPr>
+                    <m:oMath xmlns:m="http://schemas.openxmlformats.org/officeDocument/2006/math">
+                      <m:sSub>
+                        <m:sSubPr>
+                          <m:ctrlPr>
+                            <a:rPr lang="en-US" smtClean="0">
+                              <a:latin typeface="Calibri (Body)"/>
+                            </a:rPr>
+                          </m:ctrlPr>
+                        </m:sSubPr>
+                        <m:e>
+                          <m:sSub>
+                            <m:sSubPr>
+                              <m:ctrlPr>
+                                <a:rPr lang="en-US" i="1">
+                                  <a:latin typeface="Cambria Math" panose="02040503050406030204" pitchFamily="18" charset="0"/>
+                                </a:rPr>
+                              </m:ctrlPr>
+                            </m:sSubPr>
+                            <m:e>
+                              <m:r>
+                                <m:rPr>
+                                  <m:nor/>
+                                </m:rPr>
+                                <a:rPr lang="en-US" b="0" i="0" dirty="0" smtClean="0"/>
+                                <m:t>Prediction</m:t>
+                              </m:r>
+                            </m:e>
+                            <m:sub>
+                              <m:r>
+                                <a:rPr lang="en-US" i="1">
+                                  <a:latin typeface="Cambria Math" panose="02040503050406030204" pitchFamily="18" charset="0"/>
+                                </a:rPr>
+                                <m:t>𝑡</m:t>
+                              </m:r>
+                            </m:sub>
+                          </m:sSub>
+                          <m:r>
+                            <m:rPr>
+                              <m:nor/>
+                            </m:rPr>
+                            <a:rPr lang="en-US" dirty="0"/>
+                            <m:t> </m:t>
+                          </m:r>
+                          <m:r>
+                            <m:rPr>
+                              <m:nor/>
+                            </m:rPr>
+                            <a:rPr lang="en-US" b="0" i="0" dirty="0" smtClean="0"/>
+                            <m:t>= </m:t>
+                          </m:r>
+                          <m:r>
+                            <m:rPr>
+                              <m:nor/>
+                            </m:rPr>
+                            <a:rPr lang="en-US" b="0" i="0" dirty="0" smtClean="0"/>
+                            <m:t>s</m:t>
+                          </m:r>
+                          <m:r>
+                            <m:rPr>
+                              <m:nor/>
+                            </m:rPr>
+                            <a:rPr lang="en-US" b="0" smtClean="0">
+                              <a:latin typeface="Calibri (Body)"/>
+                            </a:rPr>
+                            <m:t>ign</m:t>
+                          </m:r>
+                          <m:r>
+                            <m:rPr>
+                              <m:nor/>
+                            </m:rPr>
+                            <a:rPr lang="en-US" b="0" smtClean="0">
+                              <a:latin typeface="Calibri (Body)"/>
+                            </a:rPr>
+                            <m:t>(</m:t>
+                          </m:r>
+                          <m:r>
+                            <m:rPr>
+                              <m:nor/>
+                            </m:rPr>
+                            <a:rPr lang="en-US" b="0" i="0" smtClean="0">
+                              <a:latin typeface="Calibri (Body)"/>
+                            </a:rPr>
+                            <m:t>Return</m:t>
+                          </m:r>
+                        </m:e>
+                        <m:sub>
+                          <m:r>
+                            <m:rPr>
+                              <m:sty m:val="p"/>
+                            </m:rPr>
+                            <a:rPr lang="en-US" i="0">
+                              <a:latin typeface="Calibri (Body)"/>
+                            </a:rPr>
+                            <m:t>t</m:t>
+                          </m:r>
+                          <m:r>
+                            <a:rPr lang="en-US" b="0" i="0" smtClean="0">
+                              <a:latin typeface="Calibri (Body)"/>
+                            </a:rPr>
+                            <m:t>+</m:t>
+                          </m:r>
+                          <m:r>
+                            <m:rPr>
+                              <m:sty m:val="p"/>
+                            </m:rPr>
+                            <a:rPr lang="en-US" b="0" i="0" smtClean="0">
+                              <a:latin typeface="Calibri (Body)"/>
+                            </a:rPr>
+                            <m:t>n</m:t>
+                          </m:r>
+                        </m:sub>
+                      </m:sSub>
+                      <m:r>
+                        <a:rPr lang="en-US" b="0" i="0" smtClean="0">
+                          <a:latin typeface="Calibri (Body)"/>
+                        </a:rPr>
+                        <m:t>)</m:t>
+                      </m:r>
+                    </m:oMath>
+                  </m:oMathPara>
+                </a14:m>
+                <a:endParaRPr lang="en-US" dirty="0">
+                  <a:latin typeface="Calibri (Body)"/>
+                </a:endParaRPr>
+              </a:p>
+            </p:txBody>
+          </p:sp>
+        </mc:Choice>
+        <mc:Fallback>
+          <p:sp>
+            <p:nvSpPr>
+              <p:cNvPr id="158" name="TextBox 157">
+                <a:extLst>
+                  <a:ext uri="{FF2B5EF4-FFF2-40B4-BE49-F238E27FC236}">
+                    <a16:creationId xmlns:a16="http://schemas.microsoft.com/office/drawing/2014/main" id="{13D10788-27AC-411C-B5A3-F682EF6F95F4}"/>
+                  </a:ext>
+                </a:extLst>
+              </p:cNvPr>
+              <p:cNvSpPr txBox="1">
+                <a:spLocks noRot="1" noChangeAspect="1" noMove="1" noResize="1" noEditPoints="1" noAdjustHandles="1" noChangeArrowheads="1" noChangeShapeType="1" noTextEdit="1"/>
+              </p:cNvSpPr>
+              <p:nvPr/>
+            </p:nvSpPr>
+            <p:spPr>
+              <a:xfrm>
+                <a:off x="8474981" y="2843665"/>
+                <a:ext cx="2989472" cy="369332"/>
+              </a:xfrm>
+              <a:prstGeom prst="rect">
+                <a:avLst/>
+              </a:prstGeom>
+              <a:blipFill>
+                <a:blip r:embed="rId5"/>
+                <a:stretch>
+                  <a:fillRect b="-13115"/>
+                </a:stretch>
+              </a:blipFill>
+            </p:spPr>
+            <p:txBody>
+              <a:bodyPr/>
+              <a:lstStyle/>
+              <a:p>
+                <a:r>
+                  <a:rPr lang="en-US">
+                    <a:noFill/>
+                  </a:rPr>
+                  <a:t> </a:t>
+                </a:r>
+              </a:p>
+            </p:txBody>
+          </p:sp>
+        </mc:Fallback>
+      </mc:AlternateContent>
       <p:cxnSp>
         <p:nvCxnSpPr>
           <p:cNvPr id="160" name="Straight Arrow Connector 159">
@@ -5300,8 +5771,8 @@
         </p:nvCxnSpPr>
         <p:spPr>
           <a:xfrm>
-            <a:off x="3029862" y="2062791"/>
-            <a:ext cx="866317" cy="963438"/>
+            <a:off x="3029863" y="2062791"/>
+            <a:ext cx="866316" cy="963438"/>
           </a:xfrm>
           <a:prstGeom prst="straightConnector1">
             <a:avLst/>
@@ -5343,8 +5814,8 @@
         </p:nvCxnSpPr>
         <p:spPr>
           <a:xfrm>
-            <a:off x="3029862" y="2062791"/>
-            <a:ext cx="866317" cy="1869446"/>
+            <a:off x="3029863" y="2062791"/>
+            <a:ext cx="866316" cy="1869446"/>
           </a:xfrm>
           <a:prstGeom prst="straightConnector1">
             <a:avLst/>
@@ -5386,8 +5857,8 @@
         </p:nvCxnSpPr>
         <p:spPr>
           <a:xfrm flipV="1">
-            <a:off x="3022769" y="2068286"/>
-            <a:ext cx="873410" cy="944912"/>
+            <a:off x="2984863" y="2068286"/>
+            <a:ext cx="911316" cy="957941"/>
           </a:xfrm>
           <a:prstGeom prst="straightConnector1">
             <a:avLst/>
@@ -5429,8 +5900,8 @@
         </p:nvCxnSpPr>
         <p:spPr>
           <a:xfrm>
-            <a:off x="3022769" y="3013198"/>
-            <a:ext cx="873410" cy="13031"/>
+            <a:off x="2984863" y="3026227"/>
+            <a:ext cx="911316" cy="2"/>
           </a:xfrm>
           <a:prstGeom prst="straightConnector1">
             <a:avLst/>
@@ -5472,8 +5943,8 @@
         </p:nvCxnSpPr>
         <p:spPr>
           <a:xfrm>
-            <a:off x="3022769" y="3013198"/>
-            <a:ext cx="873410" cy="919039"/>
+            <a:off x="2984863" y="3026227"/>
+            <a:ext cx="911316" cy="906010"/>
           </a:xfrm>
           <a:prstGeom prst="straightConnector1">
             <a:avLst/>
@@ -5515,8 +5986,8 @@
         </p:nvCxnSpPr>
         <p:spPr>
           <a:xfrm flipV="1">
-            <a:off x="3035300" y="2068286"/>
-            <a:ext cx="860879" cy="1862661"/>
+            <a:off x="2966298" y="2068286"/>
+            <a:ext cx="929881" cy="1862661"/>
           </a:xfrm>
           <a:prstGeom prst="straightConnector1">
             <a:avLst/>
@@ -5558,8 +6029,8 @@
         </p:nvCxnSpPr>
         <p:spPr>
           <a:xfrm flipV="1">
-            <a:off x="3035300" y="3026229"/>
-            <a:ext cx="860879" cy="904718"/>
+            <a:off x="2966298" y="3026229"/>
+            <a:ext cx="929881" cy="904718"/>
           </a:xfrm>
           <a:prstGeom prst="straightConnector1">
             <a:avLst/>
@@ -5601,8 +6072,8 @@
         </p:nvCxnSpPr>
         <p:spPr>
           <a:xfrm>
-            <a:off x="3035300" y="3930947"/>
-            <a:ext cx="860879" cy="1290"/>
+            <a:off x="2966298" y="3930947"/>
+            <a:ext cx="929881" cy="1290"/>
           </a:xfrm>
           <a:prstGeom prst="straightConnector1">
             <a:avLst/>
@@ -5788,7 +6259,2214 @@
     </p:spTree>
     <p:extLst>
       <p:ext uri="{BB962C8B-B14F-4D97-AF65-F5344CB8AC3E}">
-        <p14:creationId xmlns:p14="http://schemas.microsoft.com/office/powerpoint/2010/main" val="1540171572"/>
+        <p14:creationId xmlns:p14="http://schemas.microsoft.com/office/powerpoint/2010/main" val="1184823858"/>
+      </p:ext>
+    </p:extLst>
+  </p:cSld>
+  <p:clrMapOvr>
+    <a:masterClrMapping/>
+  </p:clrMapOvr>
+</p:sld>
+</file>
+
+<file path=ppt/slides/slide3.xml><?xml version="1.0" encoding="utf-8"?>
+<p:sld xmlns:a="http://schemas.openxmlformats.org/drawingml/2006/main" xmlns:r="http://schemas.openxmlformats.org/officeDocument/2006/relationships" xmlns:p="http://schemas.openxmlformats.org/presentationml/2006/main">
+  <p:cSld>
+    <p:spTree>
+      <p:nvGrpSpPr>
+        <p:cNvPr id="1" name=""/>
+        <p:cNvGrpSpPr/>
+        <p:nvPr/>
+      </p:nvGrpSpPr>
+      <p:grpSpPr>
+        <a:xfrm>
+          <a:off x="0" y="0"/>
+          <a:ext cx="0" cy="0"/>
+          <a:chOff x="0" y="0"/>
+          <a:chExt cx="0" cy="0"/>
+        </a:xfrm>
+      </p:grpSpPr>
+      <p:sp>
+        <p:nvSpPr>
+          <p:cNvPr id="2" name="Oval 1">
+            <a:extLst>
+              <a:ext uri="{FF2B5EF4-FFF2-40B4-BE49-F238E27FC236}">
+                <a16:creationId xmlns:a16="http://schemas.microsoft.com/office/drawing/2014/main" id="{18075D0D-EDB6-45F6-9251-B53A36F50C6C}"/>
+              </a:ext>
+            </a:extLst>
+          </p:cNvPr>
+          <p:cNvSpPr/>
+          <p:nvPr/>
+        </p:nvSpPr>
+        <p:spPr>
+          <a:xfrm>
+            <a:off x="3896179" y="1817914"/>
+            <a:ext cx="500743" cy="500743"/>
+          </a:xfrm>
+          <a:prstGeom prst="ellipse">
+            <a:avLst/>
+          </a:prstGeom>
+        </p:spPr>
+        <p:style>
+          <a:lnRef idx="2">
+            <a:schemeClr val="dk1"/>
+          </a:lnRef>
+          <a:fillRef idx="1">
+            <a:schemeClr val="lt1"/>
+          </a:fillRef>
+          <a:effectRef idx="0">
+            <a:schemeClr val="dk1"/>
+          </a:effectRef>
+          <a:fontRef idx="minor">
+            <a:schemeClr val="dk1"/>
+          </a:fontRef>
+        </p:style>
+        <p:txBody>
+          <a:bodyPr rtlCol="0" anchor="ctr"/>
+          <a:lstStyle/>
+          <a:p>
+            <a:pPr algn="r"/>
+            <a:endParaRPr lang="en-US"/>
+          </a:p>
+        </p:txBody>
+      </p:sp>
+      <p:sp>
+        <p:nvSpPr>
+          <p:cNvPr id="25" name="Oval 24">
+            <a:extLst>
+              <a:ext uri="{FF2B5EF4-FFF2-40B4-BE49-F238E27FC236}">
+                <a16:creationId xmlns:a16="http://schemas.microsoft.com/office/drawing/2014/main" id="{B75286C5-6BD4-4A4C-AF4D-888E0DCC083D}"/>
+              </a:ext>
+            </a:extLst>
+          </p:cNvPr>
+          <p:cNvSpPr/>
+          <p:nvPr/>
+        </p:nvSpPr>
+        <p:spPr>
+          <a:xfrm>
+            <a:off x="3896179" y="2775857"/>
+            <a:ext cx="500743" cy="500743"/>
+          </a:xfrm>
+          <a:prstGeom prst="ellipse">
+            <a:avLst/>
+          </a:prstGeom>
+        </p:spPr>
+        <p:style>
+          <a:lnRef idx="2">
+            <a:schemeClr val="dk1"/>
+          </a:lnRef>
+          <a:fillRef idx="1">
+            <a:schemeClr val="lt1"/>
+          </a:fillRef>
+          <a:effectRef idx="0">
+            <a:schemeClr val="dk1"/>
+          </a:effectRef>
+          <a:fontRef idx="minor">
+            <a:schemeClr val="dk1"/>
+          </a:fontRef>
+        </p:style>
+        <p:txBody>
+          <a:bodyPr rtlCol="0" anchor="ctr"/>
+          <a:lstStyle/>
+          <a:p>
+            <a:pPr algn="r"/>
+            <a:endParaRPr lang="en-US"/>
+          </a:p>
+        </p:txBody>
+      </p:sp>
+      <p:sp>
+        <p:nvSpPr>
+          <p:cNvPr id="26" name="Oval 25">
+            <a:extLst>
+              <a:ext uri="{FF2B5EF4-FFF2-40B4-BE49-F238E27FC236}">
+                <a16:creationId xmlns:a16="http://schemas.microsoft.com/office/drawing/2014/main" id="{7703DE64-3168-4E4B-ADFE-8E304BDCE50C}"/>
+              </a:ext>
+            </a:extLst>
+          </p:cNvPr>
+          <p:cNvSpPr/>
+          <p:nvPr/>
+        </p:nvSpPr>
+        <p:spPr>
+          <a:xfrm>
+            <a:off x="3896179" y="3681865"/>
+            <a:ext cx="500743" cy="500743"/>
+          </a:xfrm>
+          <a:prstGeom prst="ellipse">
+            <a:avLst/>
+          </a:prstGeom>
+        </p:spPr>
+        <p:style>
+          <a:lnRef idx="2">
+            <a:schemeClr val="dk1"/>
+          </a:lnRef>
+          <a:fillRef idx="1">
+            <a:schemeClr val="lt1"/>
+          </a:fillRef>
+          <a:effectRef idx="0">
+            <a:schemeClr val="dk1"/>
+          </a:effectRef>
+          <a:fontRef idx="minor">
+            <a:schemeClr val="dk1"/>
+          </a:fontRef>
+        </p:style>
+        <p:txBody>
+          <a:bodyPr rtlCol="0" anchor="ctr"/>
+          <a:lstStyle/>
+          <a:p>
+            <a:pPr algn="r"/>
+            <a:endParaRPr lang="en-US"/>
+          </a:p>
+        </p:txBody>
+      </p:sp>
+      <p:sp>
+        <p:nvSpPr>
+          <p:cNvPr id="34" name="Oval 33">
+            <a:extLst>
+              <a:ext uri="{FF2B5EF4-FFF2-40B4-BE49-F238E27FC236}">
+                <a16:creationId xmlns:a16="http://schemas.microsoft.com/office/drawing/2014/main" id="{C49E63A1-94F9-4523-8866-7933F513BC4D}"/>
+              </a:ext>
+            </a:extLst>
+          </p:cNvPr>
+          <p:cNvSpPr/>
+          <p:nvPr/>
+        </p:nvSpPr>
+        <p:spPr>
+          <a:xfrm>
+            <a:off x="5606142" y="4182607"/>
+            <a:ext cx="500743" cy="500743"/>
+          </a:xfrm>
+          <a:prstGeom prst="ellipse">
+            <a:avLst/>
+          </a:prstGeom>
+        </p:spPr>
+        <p:style>
+          <a:lnRef idx="2">
+            <a:schemeClr val="dk1"/>
+          </a:lnRef>
+          <a:fillRef idx="1">
+            <a:schemeClr val="lt1"/>
+          </a:fillRef>
+          <a:effectRef idx="0">
+            <a:schemeClr val="dk1"/>
+          </a:effectRef>
+          <a:fontRef idx="minor">
+            <a:schemeClr val="dk1"/>
+          </a:fontRef>
+        </p:style>
+        <p:txBody>
+          <a:bodyPr rtlCol="0" anchor="ctr"/>
+          <a:lstStyle/>
+          <a:p>
+            <a:pPr algn="r"/>
+            <a:endParaRPr lang="en-US"/>
+          </a:p>
+        </p:txBody>
+      </p:sp>
+      <p:sp>
+        <p:nvSpPr>
+          <p:cNvPr id="35" name="Oval 34">
+            <a:extLst>
+              <a:ext uri="{FF2B5EF4-FFF2-40B4-BE49-F238E27FC236}">
+                <a16:creationId xmlns:a16="http://schemas.microsoft.com/office/drawing/2014/main" id="{57F111FE-7A45-414E-B4E6-A2649F47B335}"/>
+              </a:ext>
+            </a:extLst>
+          </p:cNvPr>
+          <p:cNvSpPr/>
+          <p:nvPr/>
+        </p:nvSpPr>
+        <p:spPr>
+          <a:xfrm>
+            <a:off x="5606142" y="3276600"/>
+            <a:ext cx="500743" cy="500743"/>
+          </a:xfrm>
+          <a:prstGeom prst="ellipse">
+            <a:avLst/>
+          </a:prstGeom>
+        </p:spPr>
+        <p:style>
+          <a:lnRef idx="2">
+            <a:schemeClr val="dk1"/>
+          </a:lnRef>
+          <a:fillRef idx="1">
+            <a:schemeClr val="lt1"/>
+          </a:fillRef>
+          <a:effectRef idx="0">
+            <a:schemeClr val="dk1"/>
+          </a:effectRef>
+          <a:fontRef idx="minor">
+            <a:schemeClr val="dk1"/>
+          </a:fontRef>
+        </p:style>
+        <p:txBody>
+          <a:bodyPr rtlCol="0" anchor="ctr"/>
+          <a:lstStyle/>
+          <a:p>
+            <a:pPr algn="r"/>
+            <a:endParaRPr lang="en-US"/>
+          </a:p>
+        </p:txBody>
+      </p:sp>
+      <p:sp>
+        <p:nvSpPr>
+          <p:cNvPr id="36" name="Oval 35">
+            <a:extLst>
+              <a:ext uri="{FF2B5EF4-FFF2-40B4-BE49-F238E27FC236}">
+                <a16:creationId xmlns:a16="http://schemas.microsoft.com/office/drawing/2014/main" id="{BDE63C21-7B92-4920-9E2E-3A74FD6F3650}"/>
+              </a:ext>
+            </a:extLst>
+          </p:cNvPr>
+          <p:cNvSpPr/>
+          <p:nvPr/>
+        </p:nvSpPr>
+        <p:spPr>
+          <a:xfrm>
+            <a:off x="5606141" y="2318656"/>
+            <a:ext cx="500743" cy="500743"/>
+          </a:xfrm>
+          <a:prstGeom prst="ellipse">
+            <a:avLst/>
+          </a:prstGeom>
+        </p:spPr>
+        <p:style>
+          <a:lnRef idx="2">
+            <a:schemeClr val="dk1"/>
+          </a:lnRef>
+          <a:fillRef idx="1">
+            <a:schemeClr val="lt1"/>
+          </a:fillRef>
+          <a:effectRef idx="0">
+            <a:schemeClr val="dk1"/>
+          </a:effectRef>
+          <a:fontRef idx="minor">
+            <a:schemeClr val="dk1"/>
+          </a:fontRef>
+        </p:style>
+        <p:txBody>
+          <a:bodyPr rtlCol="0" anchor="ctr"/>
+          <a:lstStyle/>
+          <a:p>
+            <a:pPr algn="r"/>
+            <a:endParaRPr lang="en-US"/>
+          </a:p>
+        </p:txBody>
+      </p:sp>
+      <p:sp>
+        <p:nvSpPr>
+          <p:cNvPr id="39" name="Oval 38">
+            <a:extLst>
+              <a:ext uri="{FF2B5EF4-FFF2-40B4-BE49-F238E27FC236}">
+                <a16:creationId xmlns:a16="http://schemas.microsoft.com/office/drawing/2014/main" id="{AD127D88-CD04-4BB4-95DD-6FA4BC2A0A37}"/>
+              </a:ext>
+            </a:extLst>
+          </p:cNvPr>
+          <p:cNvSpPr/>
+          <p:nvPr/>
+        </p:nvSpPr>
+        <p:spPr>
+          <a:xfrm>
+            <a:off x="5606141" y="1504721"/>
+            <a:ext cx="500743" cy="500743"/>
+          </a:xfrm>
+          <a:prstGeom prst="ellipse">
+            <a:avLst/>
+          </a:prstGeom>
+        </p:spPr>
+        <p:style>
+          <a:lnRef idx="2">
+            <a:schemeClr val="dk1"/>
+          </a:lnRef>
+          <a:fillRef idx="1">
+            <a:schemeClr val="lt1"/>
+          </a:fillRef>
+          <a:effectRef idx="0">
+            <a:schemeClr val="dk1"/>
+          </a:effectRef>
+          <a:fontRef idx="minor">
+            <a:schemeClr val="dk1"/>
+          </a:fontRef>
+        </p:style>
+        <p:txBody>
+          <a:bodyPr rtlCol="0" anchor="ctr"/>
+          <a:lstStyle/>
+          <a:p>
+            <a:pPr algn="r"/>
+            <a:endParaRPr lang="en-US"/>
+          </a:p>
+        </p:txBody>
+      </p:sp>
+      <p:sp>
+        <p:nvSpPr>
+          <p:cNvPr id="47" name="Oval 46">
+            <a:extLst>
+              <a:ext uri="{FF2B5EF4-FFF2-40B4-BE49-F238E27FC236}">
+                <a16:creationId xmlns:a16="http://schemas.microsoft.com/office/drawing/2014/main" id="{6A74CEE5-E573-4012-9578-413404759811}"/>
+              </a:ext>
+            </a:extLst>
+          </p:cNvPr>
+          <p:cNvSpPr/>
+          <p:nvPr/>
+        </p:nvSpPr>
+        <p:spPr>
+          <a:xfrm>
+            <a:off x="7269162" y="2775856"/>
+            <a:ext cx="500743" cy="500743"/>
+          </a:xfrm>
+          <a:prstGeom prst="ellipse">
+            <a:avLst/>
+          </a:prstGeom>
+        </p:spPr>
+        <p:style>
+          <a:lnRef idx="2">
+            <a:schemeClr val="dk1"/>
+          </a:lnRef>
+          <a:fillRef idx="1">
+            <a:schemeClr val="lt1"/>
+          </a:fillRef>
+          <a:effectRef idx="0">
+            <a:schemeClr val="dk1"/>
+          </a:effectRef>
+          <a:fontRef idx="minor">
+            <a:schemeClr val="dk1"/>
+          </a:fontRef>
+        </p:style>
+        <p:txBody>
+          <a:bodyPr rtlCol="0" anchor="ctr"/>
+          <a:lstStyle/>
+          <a:p>
+            <a:pPr algn="r"/>
+            <a:endParaRPr lang="en-US"/>
+          </a:p>
+        </p:txBody>
+      </p:sp>
+      <p:cxnSp>
+        <p:nvCxnSpPr>
+          <p:cNvPr id="5" name="Straight Arrow Connector 4">
+            <a:extLst>
+              <a:ext uri="{FF2B5EF4-FFF2-40B4-BE49-F238E27FC236}">
+                <a16:creationId xmlns:a16="http://schemas.microsoft.com/office/drawing/2014/main" id="{1D5C241D-2F31-4D01-B7A9-E421BEC265B5}"/>
+              </a:ext>
+            </a:extLst>
+          </p:cNvPr>
+          <p:cNvCxnSpPr>
+            <a:cxnSpLocks/>
+            <a:stCxn id="117" idx="3"/>
+            <a:endCxn id="2" idx="2"/>
+          </p:cNvCxnSpPr>
+          <p:nvPr/>
+        </p:nvCxnSpPr>
+        <p:spPr>
+          <a:xfrm>
+            <a:off x="3029863" y="2062791"/>
+            <a:ext cx="866316" cy="5495"/>
+          </a:xfrm>
+          <a:prstGeom prst="straightConnector1">
+            <a:avLst/>
+          </a:prstGeom>
+          <a:ln>
+            <a:tailEnd type="triangle"/>
+          </a:ln>
+        </p:spPr>
+        <p:style>
+          <a:lnRef idx="1">
+            <a:schemeClr val="accent1"/>
+          </a:lnRef>
+          <a:fillRef idx="0">
+            <a:schemeClr val="accent1"/>
+          </a:fillRef>
+          <a:effectRef idx="0">
+            <a:schemeClr val="accent1"/>
+          </a:effectRef>
+          <a:fontRef idx="minor">
+            <a:schemeClr val="tx1"/>
+          </a:fontRef>
+        </p:style>
+      </p:cxnSp>
+      <p:cxnSp>
+        <p:nvCxnSpPr>
+          <p:cNvPr id="50" name="Straight Arrow Connector 49">
+            <a:extLst>
+              <a:ext uri="{FF2B5EF4-FFF2-40B4-BE49-F238E27FC236}">
+                <a16:creationId xmlns:a16="http://schemas.microsoft.com/office/drawing/2014/main" id="{ACBB64CD-66EF-4DE1-898C-1E471067F985}"/>
+              </a:ext>
+            </a:extLst>
+          </p:cNvPr>
+          <p:cNvCxnSpPr>
+            <a:cxnSpLocks/>
+            <a:endCxn id="39" idx="2"/>
+          </p:cNvCxnSpPr>
+          <p:nvPr/>
+        </p:nvCxnSpPr>
+        <p:spPr>
+          <a:xfrm flipV="1">
+            <a:off x="4396922" y="1755093"/>
+            <a:ext cx="1209219" cy="311380"/>
+          </a:xfrm>
+          <a:prstGeom prst="straightConnector1">
+            <a:avLst/>
+          </a:prstGeom>
+          <a:ln>
+            <a:tailEnd type="triangle"/>
+          </a:ln>
+        </p:spPr>
+        <p:style>
+          <a:lnRef idx="1">
+            <a:schemeClr val="accent1"/>
+          </a:lnRef>
+          <a:fillRef idx="0">
+            <a:schemeClr val="accent1"/>
+          </a:fillRef>
+          <a:effectRef idx="0">
+            <a:schemeClr val="accent1"/>
+          </a:effectRef>
+          <a:fontRef idx="minor">
+            <a:schemeClr val="tx1"/>
+          </a:fontRef>
+        </p:style>
+      </p:cxnSp>
+      <p:cxnSp>
+        <p:nvCxnSpPr>
+          <p:cNvPr id="51" name="Straight Arrow Connector 50">
+            <a:extLst>
+              <a:ext uri="{FF2B5EF4-FFF2-40B4-BE49-F238E27FC236}">
+                <a16:creationId xmlns:a16="http://schemas.microsoft.com/office/drawing/2014/main" id="{F5BD5849-ED9F-4EB0-879C-16CEAD44924E}"/>
+              </a:ext>
+            </a:extLst>
+          </p:cNvPr>
+          <p:cNvCxnSpPr>
+            <a:cxnSpLocks/>
+            <a:stCxn id="2" idx="6"/>
+            <a:endCxn id="36" idx="2"/>
+          </p:cNvCxnSpPr>
+          <p:nvPr/>
+        </p:nvCxnSpPr>
+        <p:spPr>
+          <a:xfrm>
+            <a:off x="4396922" y="2068286"/>
+            <a:ext cx="1209219" cy="500742"/>
+          </a:xfrm>
+          <a:prstGeom prst="straightConnector1">
+            <a:avLst/>
+          </a:prstGeom>
+          <a:ln>
+            <a:tailEnd type="triangle"/>
+          </a:ln>
+        </p:spPr>
+        <p:style>
+          <a:lnRef idx="1">
+            <a:schemeClr val="accent1"/>
+          </a:lnRef>
+          <a:fillRef idx="0">
+            <a:schemeClr val="accent1"/>
+          </a:fillRef>
+          <a:effectRef idx="0">
+            <a:schemeClr val="accent1"/>
+          </a:effectRef>
+          <a:fontRef idx="minor">
+            <a:schemeClr val="tx1"/>
+          </a:fontRef>
+        </p:style>
+      </p:cxnSp>
+      <p:cxnSp>
+        <p:nvCxnSpPr>
+          <p:cNvPr id="54" name="Straight Arrow Connector 53">
+            <a:extLst>
+              <a:ext uri="{FF2B5EF4-FFF2-40B4-BE49-F238E27FC236}">
+                <a16:creationId xmlns:a16="http://schemas.microsoft.com/office/drawing/2014/main" id="{1FCAE180-774E-4ACB-90D2-FB01403F0D55}"/>
+              </a:ext>
+            </a:extLst>
+          </p:cNvPr>
+          <p:cNvCxnSpPr>
+            <a:cxnSpLocks/>
+            <a:endCxn id="35" idx="2"/>
+          </p:cNvCxnSpPr>
+          <p:nvPr/>
+        </p:nvCxnSpPr>
+        <p:spPr>
+          <a:xfrm>
+            <a:off x="4396922" y="2066473"/>
+            <a:ext cx="1209220" cy="1460499"/>
+          </a:xfrm>
+          <a:prstGeom prst="straightConnector1">
+            <a:avLst/>
+          </a:prstGeom>
+          <a:ln>
+            <a:tailEnd type="triangle"/>
+          </a:ln>
+        </p:spPr>
+        <p:style>
+          <a:lnRef idx="1">
+            <a:schemeClr val="accent1"/>
+          </a:lnRef>
+          <a:fillRef idx="0">
+            <a:schemeClr val="accent1"/>
+          </a:fillRef>
+          <a:effectRef idx="0">
+            <a:schemeClr val="accent1"/>
+          </a:effectRef>
+          <a:fontRef idx="minor">
+            <a:schemeClr val="tx1"/>
+          </a:fontRef>
+        </p:style>
+      </p:cxnSp>
+      <p:cxnSp>
+        <p:nvCxnSpPr>
+          <p:cNvPr id="58" name="Straight Arrow Connector 57">
+            <a:extLst>
+              <a:ext uri="{FF2B5EF4-FFF2-40B4-BE49-F238E27FC236}">
+                <a16:creationId xmlns:a16="http://schemas.microsoft.com/office/drawing/2014/main" id="{34DABB5A-0062-4824-94A7-0415BC343E38}"/>
+              </a:ext>
+            </a:extLst>
+          </p:cNvPr>
+          <p:cNvCxnSpPr>
+            <a:cxnSpLocks/>
+            <a:stCxn id="2" idx="6"/>
+            <a:endCxn id="34" idx="2"/>
+          </p:cNvCxnSpPr>
+          <p:nvPr/>
+        </p:nvCxnSpPr>
+        <p:spPr>
+          <a:xfrm>
+            <a:off x="4396922" y="2068286"/>
+            <a:ext cx="1209220" cy="2364693"/>
+          </a:xfrm>
+          <a:prstGeom prst="straightConnector1">
+            <a:avLst/>
+          </a:prstGeom>
+          <a:ln>
+            <a:tailEnd type="triangle"/>
+          </a:ln>
+        </p:spPr>
+        <p:style>
+          <a:lnRef idx="1">
+            <a:schemeClr val="accent1"/>
+          </a:lnRef>
+          <a:fillRef idx="0">
+            <a:schemeClr val="accent1"/>
+          </a:fillRef>
+          <a:effectRef idx="0">
+            <a:schemeClr val="accent1"/>
+          </a:effectRef>
+          <a:fontRef idx="minor">
+            <a:schemeClr val="tx1"/>
+          </a:fontRef>
+        </p:style>
+      </p:cxnSp>
+      <p:cxnSp>
+        <p:nvCxnSpPr>
+          <p:cNvPr id="68" name="Straight Arrow Connector 67">
+            <a:extLst>
+              <a:ext uri="{FF2B5EF4-FFF2-40B4-BE49-F238E27FC236}">
+                <a16:creationId xmlns:a16="http://schemas.microsoft.com/office/drawing/2014/main" id="{7F63F6D6-2599-431B-B73D-0F69E3B00D29}"/>
+              </a:ext>
+            </a:extLst>
+          </p:cNvPr>
+          <p:cNvCxnSpPr>
+            <a:cxnSpLocks/>
+            <a:stCxn id="25" idx="6"/>
+            <a:endCxn id="39" idx="2"/>
+          </p:cNvCxnSpPr>
+          <p:nvPr/>
+        </p:nvCxnSpPr>
+        <p:spPr>
+          <a:xfrm flipV="1">
+            <a:off x="4396922" y="1755093"/>
+            <a:ext cx="1209219" cy="1271136"/>
+          </a:xfrm>
+          <a:prstGeom prst="straightConnector1">
+            <a:avLst/>
+          </a:prstGeom>
+          <a:ln>
+            <a:tailEnd type="triangle"/>
+          </a:ln>
+        </p:spPr>
+        <p:style>
+          <a:lnRef idx="1">
+            <a:schemeClr val="accent1"/>
+          </a:lnRef>
+          <a:fillRef idx="0">
+            <a:schemeClr val="accent1"/>
+          </a:fillRef>
+          <a:effectRef idx="0">
+            <a:schemeClr val="accent1"/>
+          </a:effectRef>
+          <a:fontRef idx="minor">
+            <a:schemeClr val="tx1"/>
+          </a:fontRef>
+        </p:style>
+      </p:cxnSp>
+      <p:cxnSp>
+        <p:nvCxnSpPr>
+          <p:cNvPr id="69" name="Straight Arrow Connector 68">
+            <a:extLst>
+              <a:ext uri="{FF2B5EF4-FFF2-40B4-BE49-F238E27FC236}">
+                <a16:creationId xmlns:a16="http://schemas.microsoft.com/office/drawing/2014/main" id="{B60F0863-11DD-47AF-90C4-0D5FCC33110B}"/>
+              </a:ext>
+            </a:extLst>
+          </p:cNvPr>
+          <p:cNvCxnSpPr>
+            <a:cxnSpLocks/>
+            <a:stCxn id="25" idx="6"/>
+            <a:endCxn id="36" idx="2"/>
+          </p:cNvCxnSpPr>
+          <p:nvPr/>
+        </p:nvCxnSpPr>
+        <p:spPr>
+          <a:xfrm flipV="1">
+            <a:off x="4396922" y="2569028"/>
+            <a:ext cx="1209219" cy="457201"/>
+          </a:xfrm>
+          <a:prstGeom prst="straightConnector1">
+            <a:avLst/>
+          </a:prstGeom>
+          <a:ln>
+            <a:tailEnd type="triangle"/>
+          </a:ln>
+        </p:spPr>
+        <p:style>
+          <a:lnRef idx="1">
+            <a:schemeClr val="accent1"/>
+          </a:lnRef>
+          <a:fillRef idx="0">
+            <a:schemeClr val="accent1"/>
+          </a:fillRef>
+          <a:effectRef idx="0">
+            <a:schemeClr val="accent1"/>
+          </a:effectRef>
+          <a:fontRef idx="minor">
+            <a:schemeClr val="tx1"/>
+          </a:fontRef>
+        </p:style>
+      </p:cxnSp>
+      <p:cxnSp>
+        <p:nvCxnSpPr>
+          <p:cNvPr id="70" name="Straight Arrow Connector 69">
+            <a:extLst>
+              <a:ext uri="{FF2B5EF4-FFF2-40B4-BE49-F238E27FC236}">
+                <a16:creationId xmlns:a16="http://schemas.microsoft.com/office/drawing/2014/main" id="{509214EE-6781-42EB-8DCE-1C096C8E6D65}"/>
+              </a:ext>
+            </a:extLst>
+          </p:cNvPr>
+          <p:cNvCxnSpPr>
+            <a:cxnSpLocks/>
+            <a:stCxn id="25" idx="6"/>
+            <a:endCxn id="35" idx="2"/>
+          </p:cNvCxnSpPr>
+          <p:nvPr/>
+        </p:nvCxnSpPr>
+        <p:spPr>
+          <a:xfrm>
+            <a:off x="4396922" y="3026229"/>
+            <a:ext cx="1209220" cy="500743"/>
+          </a:xfrm>
+          <a:prstGeom prst="straightConnector1">
+            <a:avLst/>
+          </a:prstGeom>
+          <a:ln>
+            <a:tailEnd type="triangle"/>
+          </a:ln>
+        </p:spPr>
+        <p:style>
+          <a:lnRef idx="1">
+            <a:schemeClr val="accent1"/>
+          </a:lnRef>
+          <a:fillRef idx="0">
+            <a:schemeClr val="accent1"/>
+          </a:fillRef>
+          <a:effectRef idx="0">
+            <a:schemeClr val="accent1"/>
+          </a:effectRef>
+          <a:fontRef idx="minor">
+            <a:schemeClr val="tx1"/>
+          </a:fontRef>
+        </p:style>
+      </p:cxnSp>
+      <p:cxnSp>
+        <p:nvCxnSpPr>
+          <p:cNvPr id="71" name="Straight Arrow Connector 70">
+            <a:extLst>
+              <a:ext uri="{FF2B5EF4-FFF2-40B4-BE49-F238E27FC236}">
+                <a16:creationId xmlns:a16="http://schemas.microsoft.com/office/drawing/2014/main" id="{8CD07F83-B098-4F1E-8A2E-56DE8F87DFEC}"/>
+              </a:ext>
+            </a:extLst>
+          </p:cNvPr>
+          <p:cNvCxnSpPr>
+            <a:cxnSpLocks/>
+            <a:stCxn id="25" idx="6"/>
+            <a:endCxn id="34" idx="2"/>
+          </p:cNvCxnSpPr>
+          <p:nvPr/>
+        </p:nvCxnSpPr>
+        <p:spPr>
+          <a:xfrm>
+            <a:off x="4396922" y="3026229"/>
+            <a:ext cx="1209220" cy="1406750"/>
+          </a:xfrm>
+          <a:prstGeom prst="straightConnector1">
+            <a:avLst/>
+          </a:prstGeom>
+          <a:ln>
+            <a:tailEnd type="triangle"/>
+          </a:ln>
+        </p:spPr>
+        <p:style>
+          <a:lnRef idx="1">
+            <a:schemeClr val="accent1"/>
+          </a:lnRef>
+          <a:fillRef idx="0">
+            <a:schemeClr val="accent1"/>
+          </a:fillRef>
+          <a:effectRef idx="0">
+            <a:schemeClr val="accent1"/>
+          </a:effectRef>
+          <a:fontRef idx="minor">
+            <a:schemeClr val="tx1"/>
+          </a:fontRef>
+        </p:style>
+      </p:cxnSp>
+      <p:cxnSp>
+        <p:nvCxnSpPr>
+          <p:cNvPr id="80" name="Straight Arrow Connector 79">
+            <a:extLst>
+              <a:ext uri="{FF2B5EF4-FFF2-40B4-BE49-F238E27FC236}">
+                <a16:creationId xmlns:a16="http://schemas.microsoft.com/office/drawing/2014/main" id="{76A0E798-08A7-4BB3-A196-EDDDCD45EC65}"/>
+              </a:ext>
+            </a:extLst>
+          </p:cNvPr>
+          <p:cNvCxnSpPr>
+            <a:cxnSpLocks/>
+            <a:stCxn id="26" idx="6"/>
+            <a:endCxn id="39" idx="2"/>
+          </p:cNvCxnSpPr>
+          <p:nvPr/>
+        </p:nvCxnSpPr>
+        <p:spPr>
+          <a:xfrm flipV="1">
+            <a:off x="4396922" y="1755093"/>
+            <a:ext cx="1209219" cy="2177144"/>
+          </a:xfrm>
+          <a:prstGeom prst="straightConnector1">
+            <a:avLst/>
+          </a:prstGeom>
+          <a:ln>
+            <a:tailEnd type="triangle"/>
+          </a:ln>
+        </p:spPr>
+        <p:style>
+          <a:lnRef idx="1">
+            <a:schemeClr val="accent1"/>
+          </a:lnRef>
+          <a:fillRef idx="0">
+            <a:schemeClr val="accent1"/>
+          </a:fillRef>
+          <a:effectRef idx="0">
+            <a:schemeClr val="accent1"/>
+          </a:effectRef>
+          <a:fontRef idx="minor">
+            <a:schemeClr val="tx1"/>
+          </a:fontRef>
+        </p:style>
+      </p:cxnSp>
+      <p:cxnSp>
+        <p:nvCxnSpPr>
+          <p:cNvPr id="81" name="Straight Arrow Connector 80">
+            <a:extLst>
+              <a:ext uri="{FF2B5EF4-FFF2-40B4-BE49-F238E27FC236}">
+                <a16:creationId xmlns:a16="http://schemas.microsoft.com/office/drawing/2014/main" id="{9017C378-9CDA-41C5-BC8D-E9F636B686E4}"/>
+              </a:ext>
+            </a:extLst>
+          </p:cNvPr>
+          <p:cNvCxnSpPr>
+            <a:cxnSpLocks/>
+            <a:stCxn id="26" idx="6"/>
+            <a:endCxn id="36" idx="2"/>
+          </p:cNvCxnSpPr>
+          <p:nvPr/>
+        </p:nvCxnSpPr>
+        <p:spPr>
+          <a:xfrm flipV="1">
+            <a:off x="4396922" y="2569028"/>
+            <a:ext cx="1209219" cy="1363209"/>
+          </a:xfrm>
+          <a:prstGeom prst="straightConnector1">
+            <a:avLst/>
+          </a:prstGeom>
+          <a:ln>
+            <a:tailEnd type="triangle"/>
+          </a:ln>
+        </p:spPr>
+        <p:style>
+          <a:lnRef idx="1">
+            <a:schemeClr val="accent1"/>
+          </a:lnRef>
+          <a:fillRef idx="0">
+            <a:schemeClr val="accent1"/>
+          </a:fillRef>
+          <a:effectRef idx="0">
+            <a:schemeClr val="accent1"/>
+          </a:effectRef>
+          <a:fontRef idx="minor">
+            <a:schemeClr val="tx1"/>
+          </a:fontRef>
+        </p:style>
+      </p:cxnSp>
+      <p:cxnSp>
+        <p:nvCxnSpPr>
+          <p:cNvPr id="82" name="Straight Arrow Connector 81">
+            <a:extLst>
+              <a:ext uri="{FF2B5EF4-FFF2-40B4-BE49-F238E27FC236}">
+                <a16:creationId xmlns:a16="http://schemas.microsoft.com/office/drawing/2014/main" id="{87BD1AEB-8A94-4283-95D2-7B66B8480D90}"/>
+              </a:ext>
+            </a:extLst>
+          </p:cNvPr>
+          <p:cNvCxnSpPr>
+            <a:cxnSpLocks/>
+            <a:stCxn id="26" idx="6"/>
+            <a:endCxn id="35" idx="2"/>
+          </p:cNvCxnSpPr>
+          <p:nvPr/>
+        </p:nvCxnSpPr>
+        <p:spPr>
+          <a:xfrm flipV="1">
+            <a:off x="4396922" y="3526972"/>
+            <a:ext cx="1209220" cy="405265"/>
+          </a:xfrm>
+          <a:prstGeom prst="straightConnector1">
+            <a:avLst/>
+          </a:prstGeom>
+          <a:ln>
+            <a:tailEnd type="triangle"/>
+          </a:ln>
+        </p:spPr>
+        <p:style>
+          <a:lnRef idx="1">
+            <a:schemeClr val="accent1"/>
+          </a:lnRef>
+          <a:fillRef idx="0">
+            <a:schemeClr val="accent1"/>
+          </a:fillRef>
+          <a:effectRef idx="0">
+            <a:schemeClr val="accent1"/>
+          </a:effectRef>
+          <a:fontRef idx="minor">
+            <a:schemeClr val="tx1"/>
+          </a:fontRef>
+        </p:style>
+      </p:cxnSp>
+      <p:cxnSp>
+        <p:nvCxnSpPr>
+          <p:cNvPr id="83" name="Straight Arrow Connector 82">
+            <a:extLst>
+              <a:ext uri="{FF2B5EF4-FFF2-40B4-BE49-F238E27FC236}">
+                <a16:creationId xmlns:a16="http://schemas.microsoft.com/office/drawing/2014/main" id="{9E379AC2-01B1-45FF-97C8-EF934CDC9A81}"/>
+              </a:ext>
+            </a:extLst>
+          </p:cNvPr>
+          <p:cNvCxnSpPr>
+            <a:cxnSpLocks/>
+            <a:stCxn id="26" idx="6"/>
+            <a:endCxn id="34" idx="2"/>
+          </p:cNvCxnSpPr>
+          <p:nvPr/>
+        </p:nvCxnSpPr>
+        <p:spPr>
+          <a:xfrm>
+            <a:off x="4396922" y="3932237"/>
+            <a:ext cx="1209220" cy="500742"/>
+          </a:xfrm>
+          <a:prstGeom prst="straightConnector1">
+            <a:avLst/>
+          </a:prstGeom>
+          <a:ln>
+            <a:tailEnd type="triangle"/>
+          </a:ln>
+        </p:spPr>
+        <p:style>
+          <a:lnRef idx="1">
+            <a:schemeClr val="accent1"/>
+          </a:lnRef>
+          <a:fillRef idx="0">
+            <a:schemeClr val="accent1"/>
+          </a:fillRef>
+          <a:effectRef idx="0">
+            <a:schemeClr val="accent1"/>
+          </a:effectRef>
+          <a:fontRef idx="minor">
+            <a:schemeClr val="tx1"/>
+          </a:fontRef>
+        </p:style>
+      </p:cxnSp>
+      <p:cxnSp>
+        <p:nvCxnSpPr>
+          <p:cNvPr id="92" name="Straight Arrow Connector 91">
+            <a:extLst>
+              <a:ext uri="{FF2B5EF4-FFF2-40B4-BE49-F238E27FC236}">
+                <a16:creationId xmlns:a16="http://schemas.microsoft.com/office/drawing/2014/main" id="{3C987F57-8670-466B-B694-3F274E1FAF1A}"/>
+              </a:ext>
+            </a:extLst>
+          </p:cNvPr>
+          <p:cNvCxnSpPr>
+            <a:cxnSpLocks/>
+            <a:stCxn id="39" idx="6"/>
+            <a:endCxn id="47" idx="2"/>
+          </p:cNvCxnSpPr>
+          <p:nvPr/>
+        </p:nvCxnSpPr>
+        <p:spPr>
+          <a:xfrm>
+            <a:off x="6106884" y="1755093"/>
+            <a:ext cx="1162278" cy="1271135"/>
+          </a:xfrm>
+          <a:prstGeom prst="straightConnector1">
+            <a:avLst/>
+          </a:prstGeom>
+          <a:ln>
+            <a:tailEnd type="triangle"/>
+          </a:ln>
+        </p:spPr>
+        <p:style>
+          <a:lnRef idx="1">
+            <a:schemeClr val="accent1"/>
+          </a:lnRef>
+          <a:fillRef idx="0">
+            <a:schemeClr val="accent1"/>
+          </a:fillRef>
+          <a:effectRef idx="0">
+            <a:schemeClr val="accent1"/>
+          </a:effectRef>
+          <a:fontRef idx="minor">
+            <a:schemeClr val="tx1"/>
+          </a:fontRef>
+        </p:style>
+      </p:cxnSp>
+      <p:cxnSp>
+        <p:nvCxnSpPr>
+          <p:cNvPr id="95" name="Straight Arrow Connector 94">
+            <a:extLst>
+              <a:ext uri="{FF2B5EF4-FFF2-40B4-BE49-F238E27FC236}">
+                <a16:creationId xmlns:a16="http://schemas.microsoft.com/office/drawing/2014/main" id="{086891F3-F58D-4FE3-A81B-7D545A6CEDED}"/>
+              </a:ext>
+            </a:extLst>
+          </p:cNvPr>
+          <p:cNvCxnSpPr>
+            <a:cxnSpLocks/>
+            <a:stCxn id="35" idx="6"/>
+            <a:endCxn id="47" idx="2"/>
+          </p:cNvCxnSpPr>
+          <p:nvPr/>
+        </p:nvCxnSpPr>
+        <p:spPr>
+          <a:xfrm flipV="1">
+            <a:off x="6106885" y="3026228"/>
+            <a:ext cx="1162277" cy="500744"/>
+          </a:xfrm>
+          <a:prstGeom prst="straightConnector1">
+            <a:avLst/>
+          </a:prstGeom>
+          <a:ln>
+            <a:tailEnd type="triangle"/>
+          </a:ln>
+        </p:spPr>
+        <p:style>
+          <a:lnRef idx="1">
+            <a:schemeClr val="accent1"/>
+          </a:lnRef>
+          <a:fillRef idx="0">
+            <a:schemeClr val="accent1"/>
+          </a:fillRef>
+          <a:effectRef idx="0">
+            <a:schemeClr val="accent1"/>
+          </a:effectRef>
+          <a:fontRef idx="minor">
+            <a:schemeClr val="tx1"/>
+          </a:fontRef>
+        </p:style>
+      </p:cxnSp>
+      <p:cxnSp>
+        <p:nvCxnSpPr>
+          <p:cNvPr id="98" name="Straight Arrow Connector 97">
+            <a:extLst>
+              <a:ext uri="{FF2B5EF4-FFF2-40B4-BE49-F238E27FC236}">
+                <a16:creationId xmlns:a16="http://schemas.microsoft.com/office/drawing/2014/main" id="{FE089BD6-C154-4FAB-AE06-409440B0220B}"/>
+              </a:ext>
+            </a:extLst>
+          </p:cNvPr>
+          <p:cNvCxnSpPr>
+            <a:cxnSpLocks/>
+            <a:endCxn id="47" idx="2"/>
+          </p:cNvCxnSpPr>
+          <p:nvPr/>
+        </p:nvCxnSpPr>
+        <p:spPr>
+          <a:xfrm flipV="1">
+            <a:off x="6081822" y="3026228"/>
+            <a:ext cx="1187340" cy="1406750"/>
+          </a:xfrm>
+          <a:prstGeom prst="straightConnector1">
+            <a:avLst/>
+          </a:prstGeom>
+          <a:ln>
+            <a:tailEnd type="triangle"/>
+          </a:ln>
+        </p:spPr>
+        <p:style>
+          <a:lnRef idx="1">
+            <a:schemeClr val="accent1"/>
+          </a:lnRef>
+          <a:fillRef idx="0">
+            <a:schemeClr val="accent1"/>
+          </a:fillRef>
+          <a:effectRef idx="0">
+            <a:schemeClr val="accent1"/>
+          </a:effectRef>
+          <a:fontRef idx="minor">
+            <a:schemeClr val="tx1"/>
+          </a:fontRef>
+        </p:style>
+      </p:cxnSp>
+      <p:cxnSp>
+        <p:nvCxnSpPr>
+          <p:cNvPr id="100" name="Straight Arrow Connector 99">
+            <a:extLst>
+              <a:ext uri="{FF2B5EF4-FFF2-40B4-BE49-F238E27FC236}">
+                <a16:creationId xmlns:a16="http://schemas.microsoft.com/office/drawing/2014/main" id="{A02CDFAA-BE4E-4689-9DFA-FCB85F0CE735}"/>
+              </a:ext>
+            </a:extLst>
+          </p:cNvPr>
+          <p:cNvCxnSpPr>
+            <a:cxnSpLocks/>
+            <a:stCxn id="36" idx="6"/>
+            <a:endCxn id="47" idx="2"/>
+          </p:cNvCxnSpPr>
+          <p:nvPr/>
+        </p:nvCxnSpPr>
+        <p:spPr>
+          <a:xfrm>
+            <a:off x="6106884" y="2569028"/>
+            <a:ext cx="1162278" cy="457200"/>
+          </a:xfrm>
+          <a:prstGeom prst="straightConnector1">
+            <a:avLst/>
+          </a:prstGeom>
+          <a:ln>
+            <a:tailEnd type="triangle"/>
+          </a:ln>
+        </p:spPr>
+        <p:style>
+          <a:lnRef idx="1">
+            <a:schemeClr val="accent1"/>
+          </a:lnRef>
+          <a:fillRef idx="0">
+            <a:schemeClr val="accent1"/>
+          </a:fillRef>
+          <a:effectRef idx="0">
+            <a:schemeClr val="accent1"/>
+          </a:effectRef>
+          <a:fontRef idx="minor">
+            <a:schemeClr val="tx1"/>
+          </a:fontRef>
+        </p:style>
+      </p:cxnSp>
+      <p:cxnSp>
+        <p:nvCxnSpPr>
+          <p:cNvPr id="110" name="Straight Arrow Connector 109">
+            <a:extLst>
+              <a:ext uri="{FF2B5EF4-FFF2-40B4-BE49-F238E27FC236}">
+                <a16:creationId xmlns:a16="http://schemas.microsoft.com/office/drawing/2014/main" id="{61FA5A78-FBCB-40E8-9B78-6A4F5B6F00D7}"/>
+              </a:ext>
+            </a:extLst>
+          </p:cNvPr>
+          <p:cNvCxnSpPr>
+            <a:cxnSpLocks/>
+            <a:stCxn id="47" idx="6"/>
+          </p:cNvCxnSpPr>
+          <p:nvPr/>
+        </p:nvCxnSpPr>
+        <p:spPr>
+          <a:xfrm flipV="1">
+            <a:off x="7769905" y="3026227"/>
+            <a:ext cx="661534" cy="1"/>
+          </a:xfrm>
+          <a:prstGeom prst="straightConnector1">
+            <a:avLst/>
+          </a:prstGeom>
+          <a:ln>
+            <a:tailEnd type="triangle"/>
+          </a:ln>
+        </p:spPr>
+        <p:style>
+          <a:lnRef idx="1">
+            <a:schemeClr val="accent1"/>
+          </a:lnRef>
+          <a:fillRef idx="0">
+            <a:schemeClr val="accent1"/>
+          </a:fillRef>
+          <a:effectRef idx="0">
+            <a:schemeClr val="accent1"/>
+          </a:effectRef>
+          <a:fontRef idx="minor">
+            <a:schemeClr val="tx1"/>
+          </a:fontRef>
+        </p:style>
+      </p:cxnSp>
+      <p:sp>
+        <p:nvSpPr>
+          <p:cNvPr id="114" name="Rectangle 113">
+            <a:extLst>
+              <a:ext uri="{FF2B5EF4-FFF2-40B4-BE49-F238E27FC236}">
+                <a16:creationId xmlns:a16="http://schemas.microsoft.com/office/drawing/2014/main" id="{F9D390C4-0574-456A-BC01-E5DFA7472095}"/>
+              </a:ext>
+            </a:extLst>
+          </p:cNvPr>
+          <p:cNvSpPr/>
+          <p:nvPr/>
+        </p:nvSpPr>
+        <p:spPr>
+          <a:xfrm>
+            <a:off x="7024233" y="2382726"/>
+            <a:ext cx="990600" cy="1287002"/>
+          </a:xfrm>
+          <a:prstGeom prst="rect">
+            <a:avLst/>
+          </a:prstGeom>
+          <a:solidFill>
+            <a:srgbClr val="FF8F8F">
+              <a:alpha val="50000"/>
+            </a:srgbClr>
+          </a:solidFill>
+          <a:ln>
+            <a:noFill/>
+          </a:ln>
+        </p:spPr>
+        <p:style>
+          <a:lnRef idx="0">
+            <a:scrgbClr r="0" g="0" b="0"/>
+          </a:lnRef>
+          <a:fillRef idx="0">
+            <a:scrgbClr r="0" g="0" b="0"/>
+          </a:fillRef>
+          <a:effectRef idx="0">
+            <a:scrgbClr r="0" g="0" b="0"/>
+          </a:effectRef>
+          <a:fontRef idx="minor">
+            <a:schemeClr val="lt1"/>
+          </a:fontRef>
+        </p:style>
+        <p:txBody>
+          <a:bodyPr rtlCol="0" anchor="ctr"/>
+          <a:lstStyle/>
+          <a:p>
+            <a:pPr algn="r"/>
+            <a:endParaRPr lang="en-US"/>
+          </a:p>
+        </p:txBody>
+      </p:sp>
+      <mc:AlternateContent xmlns:mc="http://schemas.openxmlformats.org/markup-compatibility/2006">
+        <mc:Choice xmlns:a14="http://schemas.microsoft.com/office/drawing/2010/main" Requires="a14">
+          <p:sp>
+            <p:nvSpPr>
+              <p:cNvPr id="117" name="TextBox 116">
+                <a:extLst>
+                  <a:ext uri="{FF2B5EF4-FFF2-40B4-BE49-F238E27FC236}">
+                    <a16:creationId xmlns:a16="http://schemas.microsoft.com/office/drawing/2014/main" id="{125FB6B6-1A16-49AD-B5A7-F73C69CFB67B}"/>
+                  </a:ext>
+                </a:extLst>
+              </p:cNvPr>
+              <p:cNvSpPr txBox="1"/>
+              <p:nvPr/>
+            </p:nvSpPr>
+            <p:spPr>
+              <a:xfrm>
+                <a:off x="904352" y="1878125"/>
+                <a:ext cx="2125511" cy="369332"/>
+              </a:xfrm>
+              <a:prstGeom prst="rect">
+                <a:avLst/>
+              </a:prstGeom>
+              <a:noFill/>
+            </p:spPr>
+            <p:txBody>
+              <a:bodyPr wrap="square" rtlCol="0">
+                <a:spAutoFit/>
+              </a:bodyPr>
+              <a:lstStyle/>
+              <a:p>
+                <a:pPr algn="r"/>
+                <a14:m>
+                  <m:oMathPara xmlns:m="http://schemas.openxmlformats.org/officeDocument/2006/math">
+                    <m:oMathParaPr>
+                      <m:jc m:val="right"/>
+                    </m:oMathParaPr>
+                    <m:oMath xmlns:m="http://schemas.openxmlformats.org/officeDocument/2006/math">
+                      <m:sSub>
+                        <m:sSubPr>
+                          <m:ctrlPr>
+                            <a:rPr lang="en-US" i="1" smtClean="0">
+                              <a:latin typeface="Cambria Math" panose="02040503050406030204" pitchFamily="18" charset="0"/>
+                            </a:rPr>
+                          </m:ctrlPr>
+                        </m:sSubPr>
+                        <m:e>
+                          <m:r>
+                            <m:rPr>
+                              <m:nor/>
+                            </m:rPr>
+                            <a:rPr lang="en-US" i="1" dirty="0" smtClean="0"/>
+                            <m:t>X</m:t>
+                          </m:r>
+                        </m:e>
+                        <m:sub>
+                          <m:r>
+                            <a:rPr lang="en-US" b="0" i="1" dirty="0" smtClean="0">
+                              <a:latin typeface="Cambria Math" panose="02040503050406030204" pitchFamily="18" charset="0"/>
+                            </a:rPr>
+                            <m:t>1</m:t>
+                          </m:r>
+                        </m:sub>
+                      </m:sSub>
+                    </m:oMath>
+                  </m:oMathPara>
+                </a14:m>
+                <a:endParaRPr lang="en-US" dirty="0"/>
+              </a:p>
+            </p:txBody>
+          </p:sp>
+        </mc:Choice>
+        <mc:Fallback>
+          <p:sp>
+            <p:nvSpPr>
+              <p:cNvPr id="117" name="TextBox 116">
+                <a:extLst>
+                  <a:ext uri="{FF2B5EF4-FFF2-40B4-BE49-F238E27FC236}">
+                    <a16:creationId xmlns:a16="http://schemas.microsoft.com/office/drawing/2014/main" id="{125FB6B6-1A16-49AD-B5A7-F73C69CFB67B}"/>
+                  </a:ext>
+                </a:extLst>
+              </p:cNvPr>
+              <p:cNvSpPr txBox="1">
+                <a:spLocks noRot="1" noChangeAspect="1" noMove="1" noResize="1" noEditPoints="1" noAdjustHandles="1" noChangeArrowheads="1" noChangeShapeType="1" noTextEdit="1"/>
+              </p:cNvSpPr>
+              <p:nvPr/>
+            </p:nvSpPr>
+            <p:spPr>
+              <a:xfrm>
+                <a:off x="904352" y="1878125"/>
+                <a:ext cx="2125511" cy="369332"/>
+              </a:xfrm>
+              <a:prstGeom prst="rect">
+                <a:avLst/>
+              </a:prstGeom>
+              <a:blipFill>
+                <a:blip r:embed="rId2"/>
+                <a:stretch>
+                  <a:fillRect/>
+                </a:stretch>
+              </a:blipFill>
+            </p:spPr>
+            <p:txBody>
+              <a:bodyPr/>
+              <a:lstStyle/>
+              <a:p>
+                <a:r>
+                  <a:rPr lang="en-US">
+                    <a:noFill/>
+                  </a:rPr>
+                  <a:t> </a:t>
+                </a:r>
+              </a:p>
+            </p:txBody>
+          </p:sp>
+        </mc:Fallback>
+      </mc:AlternateContent>
+      <mc:AlternateContent xmlns:mc="http://schemas.openxmlformats.org/markup-compatibility/2006">
+        <mc:Choice xmlns:a14="http://schemas.microsoft.com/office/drawing/2010/main" Requires="a14">
+          <p:sp>
+            <p:nvSpPr>
+              <p:cNvPr id="118" name="TextBox 117">
+                <a:extLst>
+                  <a:ext uri="{FF2B5EF4-FFF2-40B4-BE49-F238E27FC236}">
+                    <a16:creationId xmlns:a16="http://schemas.microsoft.com/office/drawing/2014/main" id="{40129F2B-DCD2-4AFC-81E9-513C55724B92}"/>
+                  </a:ext>
+                </a:extLst>
+              </p:cNvPr>
+              <p:cNvSpPr txBox="1"/>
+              <p:nvPr/>
+            </p:nvSpPr>
+            <p:spPr>
+              <a:xfrm>
+                <a:off x="773723" y="2841561"/>
+                <a:ext cx="2211140" cy="369332"/>
+              </a:xfrm>
+              <a:prstGeom prst="rect">
+                <a:avLst/>
+              </a:prstGeom>
+              <a:noFill/>
+            </p:spPr>
+            <p:txBody>
+              <a:bodyPr wrap="square" rtlCol="0">
+                <a:spAutoFit/>
+              </a:bodyPr>
+              <a:lstStyle/>
+              <a:p>
+                <a:pPr algn="r"/>
+                <a14:m>
+                  <m:oMathPara xmlns:m="http://schemas.openxmlformats.org/officeDocument/2006/math">
+                    <m:oMathParaPr>
+                      <m:jc m:val="right"/>
+                    </m:oMathParaPr>
+                    <m:oMath xmlns:m="http://schemas.openxmlformats.org/officeDocument/2006/math">
+                      <m:sSub>
+                        <m:sSubPr>
+                          <m:ctrlPr>
+                            <a:rPr lang="en-US" i="1" smtClean="0">
+                              <a:latin typeface="Cambria Math" panose="02040503050406030204" pitchFamily="18" charset="0"/>
+                            </a:rPr>
+                          </m:ctrlPr>
+                        </m:sSubPr>
+                        <m:e>
+                          <m:r>
+                            <m:rPr>
+                              <m:nor/>
+                            </m:rPr>
+                            <a:rPr lang="en-US" b="0" i="0" dirty="0" smtClean="0"/>
+                            <m:t>X</m:t>
+                          </m:r>
+                        </m:e>
+                        <m:sub>
+                          <m:r>
+                            <a:rPr lang="en-US" b="0" i="1" smtClean="0">
+                              <a:latin typeface="Cambria Math" panose="02040503050406030204" pitchFamily="18" charset="0"/>
+                            </a:rPr>
+                            <m:t>2</m:t>
+                          </m:r>
+                        </m:sub>
+                      </m:sSub>
+                    </m:oMath>
+                  </m:oMathPara>
+                </a14:m>
+                <a:endParaRPr lang="en-US" dirty="0"/>
+              </a:p>
+            </p:txBody>
+          </p:sp>
+        </mc:Choice>
+        <mc:Fallback>
+          <p:sp>
+            <p:nvSpPr>
+              <p:cNvPr id="118" name="TextBox 117">
+                <a:extLst>
+                  <a:ext uri="{FF2B5EF4-FFF2-40B4-BE49-F238E27FC236}">
+                    <a16:creationId xmlns:a16="http://schemas.microsoft.com/office/drawing/2014/main" id="{40129F2B-DCD2-4AFC-81E9-513C55724B92}"/>
+                  </a:ext>
+                </a:extLst>
+              </p:cNvPr>
+              <p:cNvSpPr txBox="1">
+                <a:spLocks noRot="1" noChangeAspect="1" noMove="1" noResize="1" noEditPoints="1" noAdjustHandles="1" noChangeArrowheads="1" noChangeShapeType="1" noTextEdit="1"/>
+              </p:cNvSpPr>
+              <p:nvPr/>
+            </p:nvSpPr>
+            <p:spPr>
+              <a:xfrm>
+                <a:off x="773723" y="2841561"/>
+                <a:ext cx="2211140" cy="369332"/>
+              </a:xfrm>
+              <a:prstGeom prst="rect">
+                <a:avLst/>
+              </a:prstGeom>
+              <a:blipFill>
+                <a:blip r:embed="rId3"/>
+                <a:stretch>
+                  <a:fillRect/>
+                </a:stretch>
+              </a:blipFill>
+            </p:spPr>
+            <p:txBody>
+              <a:bodyPr/>
+              <a:lstStyle/>
+              <a:p>
+                <a:r>
+                  <a:rPr lang="en-US">
+                    <a:noFill/>
+                  </a:rPr>
+                  <a:t> </a:t>
+                </a:r>
+              </a:p>
+            </p:txBody>
+          </p:sp>
+        </mc:Fallback>
+      </mc:AlternateContent>
+      <mc:AlternateContent xmlns:mc="http://schemas.openxmlformats.org/markup-compatibility/2006">
+        <mc:Choice xmlns:a14="http://schemas.microsoft.com/office/drawing/2010/main" Requires="a14">
+          <p:sp>
+            <p:nvSpPr>
+              <p:cNvPr id="119" name="TextBox 118">
+                <a:extLst>
+                  <a:ext uri="{FF2B5EF4-FFF2-40B4-BE49-F238E27FC236}">
+                    <a16:creationId xmlns:a16="http://schemas.microsoft.com/office/drawing/2014/main" id="{3C6ACD2D-A8D7-455D-930E-7A38F59FE580}"/>
+                  </a:ext>
+                </a:extLst>
+              </p:cNvPr>
+              <p:cNvSpPr txBox="1"/>
+              <p:nvPr/>
+            </p:nvSpPr>
+            <p:spPr>
+              <a:xfrm>
+                <a:off x="1577591" y="3746281"/>
+                <a:ext cx="1388707" cy="369332"/>
+              </a:xfrm>
+              <a:prstGeom prst="rect">
+                <a:avLst/>
+              </a:prstGeom>
+              <a:noFill/>
+            </p:spPr>
+            <p:txBody>
+              <a:bodyPr wrap="square" rtlCol="0">
+                <a:spAutoFit/>
+              </a:bodyPr>
+              <a:lstStyle/>
+              <a:p>
+                <a:pPr algn="r"/>
+                <a14:m>
+                  <m:oMathPara xmlns:m="http://schemas.openxmlformats.org/officeDocument/2006/math">
+                    <m:oMathParaPr>
+                      <m:jc m:val="right"/>
+                    </m:oMathParaPr>
+                    <m:oMath xmlns:m="http://schemas.openxmlformats.org/officeDocument/2006/math">
+                      <m:sSub>
+                        <m:sSubPr>
+                          <m:ctrlPr>
+                            <a:rPr lang="en-US" i="1" smtClean="0">
+                              <a:latin typeface="Cambria Math" panose="02040503050406030204" pitchFamily="18" charset="0"/>
+                            </a:rPr>
+                          </m:ctrlPr>
+                        </m:sSubPr>
+                        <m:e>
+                          <m:r>
+                            <m:rPr>
+                              <m:nor/>
+                            </m:rPr>
+                            <a:rPr lang="en-US" b="0" i="0" dirty="0" smtClean="0"/>
+                            <m:t>X</m:t>
+                          </m:r>
+                        </m:e>
+                        <m:sub>
+                          <m:r>
+                            <a:rPr lang="en-US" b="0" i="1" dirty="0" smtClean="0">
+                              <a:latin typeface="Cambria Math" panose="02040503050406030204" pitchFamily="18" charset="0"/>
+                            </a:rPr>
+                            <m:t>3</m:t>
+                          </m:r>
+                        </m:sub>
+                      </m:sSub>
+                    </m:oMath>
+                  </m:oMathPara>
+                </a14:m>
+                <a:endParaRPr lang="en-US" dirty="0"/>
+              </a:p>
+            </p:txBody>
+          </p:sp>
+        </mc:Choice>
+        <mc:Fallback>
+          <p:sp>
+            <p:nvSpPr>
+              <p:cNvPr id="119" name="TextBox 118">
+                <a:extLst>
+                  <a:ext uri="{FF2B5EF4-FFF2-40B4-BE49-F238E27FC236}">
+                    <a16:creationId xmlns:a16="http://schemas.microsoft.com/office/drawing/2014/main" id="{3C6ACD2D-A8D7-455D-930E-7A38F59FE580}"/>
+                  </a:ext>
+                </a:extLst>
+              </p:cNvPr>
+              <p:cNvSpPr txBox="1">
+                <a:spLocks noRot="1" noChangeAspect="1" noMove="1" noResize="1" noEditPoints="1" noAdjustHandles="1" noChangeArrowheads="1" noChangeShapeType="1" noTextEdit="1"/>
+              </p:cNvSpPr>
+              <p:nvPr/>
+            </p:nvSpPr>
+            <p:spPr>
+              <a:xfrm>
+                <a:off x="1577591" y="3746281"/>
+                <a:ext cx="1388707" cy="369332"/>
+              </a:xfrm>
+              <a:prstGeom prst="rect">
+                <a:avLst/>
+              </a:prstGeom>
+              <a:blipFill>
+                <a:blip r:embed="rId4"/>
+                <a:stretch>
+                  <a:fillRect/>
+                </a:stretch>
+              </a:blipFill>
+            </p:spPr>
+            <p:txBody>
+              <a:bodyPr/>
+              <a:lstStyle/>
+              <a:p>
+                <a:r>
+                  <a:rPr lang="en-US">
+                    <a:noFill/>
+                  </a:rPr>
+                  <a:t> </a:t>
+                </a:r>
+              </a:p>
+            </p:txBody>
+          </p:sp>
+        </mc:Fallback>
+      </mc:AlternateContent>
+      <p:sp>
+        <p:nvSpPr>
+          <p:cNvPr id="156" name="Rectangle 155">
+            <a:extLst>
+              <a:ext uri="{FF2B5EF4-FFF2-40B4-BE49-F238E27FC236}">
+                <a16:creationId xmlns:a16="http://schemas.microsoft.com/office/drawing/2014/main" id="{ECB04ADA-5817-45F0-8E96-9B4952A6D23F}"/>
+              </a:ext>
+            </a:extLst>
+          </p:cNvPr>
+          <p:cNvSpPr/>
+          <p:nvPr/>
+        </p:nvSpPr>
+        <p:spPr>
+          <a:xfrm>
+            <a:off x="5348681" y="1155934"/>
+            <a:ext cx="990600" cy="3778015"/>
+          </a:xfrm>
+          <a:prstGeom prst="rect">
+            <a:avLst/>
+          </a:prstGeom>
+          <a:solidFill>
+            <a:srgbClr val="77E982">
+              <a:alpha val="50000"/>
+            </a:srgbClr>
+          </a:solidFill>
+          <a:ln>
+            <a:noFill/>
+          </a:ln>
+        </p:spPr>
+        <p:style>
+          <a:lnRef idx="0">
+            <a:scrgbClr r="0" g="0" b="0"/>
+          </a:lnRef>
+          <a:fillRef idx="0">
+            <a:scrgbClr r="0" g="0" b="0"/>
+          </a:fillRef>
+          <a:effectRef idx="0">
+            <a:scrgbClr r="0" g="0" b="0"/>
+          </a:effectRef>
+          <a:fontRef idx="minor">
+            <a:schemeClr val="lt1"/>
+          </a:fontRef>
+        </p:style>
+        <p:txBody>
+          <a:bodyPr rtlCol="0" anchor="ctr"/>
+          <a:lstStyle/>
+          <a:p>
+            <a:pPr algn="r"/>
+            <a:endParaRPr lang="en-US"/>
+          </a:p>
+        </p:txBody>
+      </p:sp>
+      <mc:AlternateContent xmlns:mc="http://schemas.openxmlformats.org/markup-compatibility/2006">
+        <mc:Choice xmlns:a14="http://schemas.microsoft.com/office/drawing/2010/main" Requires="a14">
+          <p:sp>
+            <p:nvSpPr>
+              <p:cNvPr id="158" name="TextBox 157">
+                <a:extLst>
+                  <a:ext uri="{FF2B5EF4-FFF2-40B4-BE49-F238E27FC236}">
+                    <a16:creationId xmlns:a16="http://schemas.microsoft.com/office/drawing/2014/main" id="{13D10788-27AC-411C-B5A3-F682EF6F95F4}"/>
+                  </a:ext>
+                </a:extLst>
+              </p:cNvPr>
+              <p:cNvSpPr txBox="1"/>
+              <p:nvPr/>
+            </p:nvSpPr>
+            <p:spPr>
+              <a:xfrm>
+                <a:off x="8515576" y="2837149"/>
+                <a:ext cx="2905335" cy="369332"/>
+              </a:xfrm>
+              <a:prstGeom prst="rect">
+                <a:avLst/>
+              </a:prstGeom>
+              <a:noFill/>
+            </p:spPr>
+            <p:txBody>
+              <a:bodyPr wrap="square" rtlCol="0">
+                <a:spAutoFit/>
+              </a:bodyPr>
+              <a:lstStyle/>
+              <a:p>
+                <a:pPr algn="r"/>
+                <a14:m>
+                  <m:oMathPara xmlns:m="http://schemas.openxmlformats.org/officeDocument/2006/math">
+                    <m:oMathParaPr>
+                      <m:jc m:val="left"/>
+                    </m:oMathParaPr>
+                    <m:oMath xmlns:m="http://schemas.openxmlformats.org/officeDocument/2006/math">
+                      <m:r>
+                        <m:rPr>
+                          <m:nor/>
+                        </m:rPr>
+                        <a:rPr lang="en-US" b="0" i="0" dirty="0" smtClean="0"/>
+                        <m:t>Prediction</m:t>
+                      </m:r>
+                    </m:oMath>
+                  </m:oMathPara>
+                </a14:m>
+                <a:endParaRPr lang="en-US" dirty="0"/>
+              </a:p>
+            </p:txBody>
+          </p:sp>
+        </mc:Choice>
+        <mc:Fallback>
+          <p:sp>
+            <p:nvSpPr>
+              <p:cNvPr id="158" name="TextBox 157">
+                <a:extLst>
+                  <a:ext uri="{FF2B5EF4-FFF2-40B4-BE49-F238E27FC236}">
+                    <a16:creationId xmlns:a16="http://schemas.microsoft.com/office/drawing/2014/main" id="{13D10788-27AC-411C-B5A3-F682EF6F95F4}"/>
+                  </a:ext>
+                </a:extLst>
+              </p:cNvPr>
+              <p:cNvSpPr txBox="1">
+                <a:spLocks noRot="1" noChangeAspect="1" noMove="1" noResize="1" noEditPoints="1" noAdjustHandles="1" noChangeArrowheads="1" noChangeShapeType="1" noTextEdit="1"/>
+              </p:cNvSpPr>
+              <p:nvPr/>
+            </p:nvSpPr>
+            <p:spPr>
+              <a:xfrm>
+                <a:off x="8515576" y="2837149"/>
+                <a:ext cx="2905335" cy="369332"/>
+              </a:xfrm>
+              <a:prstGeom prst="rect">
+                <a:avLst/>
+              </a:prstGeom>
+              <a:blipFill>
+                <a:blip r:embed="rId5"/>
+                <a:stretch>
+                  <a:fillRect/>
+                </a:stretch>
+              </a:blipFill>
+            </p:spPr>
+            <p:txBody>
+              <a:bodyPr/>
+              <a:lstStyle/>
+              <a:p>
+                <a:r>
+                  <a:rPr lang="en-US">
+                    <a:noFill/>
+                  </a:rPr>
+                  <a:t> </a:t>
+                </a:r>
+              </a:p>
+            </p:txBody>
+          </p:sp>
+        </mc:Fallback>
+      </mc:AlternateContent>
+      <p:cxnSp>
+        <p:nvCxnSpPr>
+          <p:cNvPr id="160" name="Straight Arrow Connector 159">
+            <a:extLst>
+              <a:ext uri="{FF2B5EF4-FFF2-40B4-BE49-F238E27FC236}">
+                <a16:creationId xmlns:a16="http://schemas.microsoft.com/office/drawing/2014/main" id="{AACBB212-AA4B-4B03-A139-55CA7BFAD773}"/>
+              </a:ext>
+            </a:extLst>
+          </p:cNvPr>
+          <p:cNvCxnSpPr>
+            <a:cxnSpLocks/>
+            <a:stCxn id="117" idx="3"/>
+            <a:endCxn id="25" idx="2"/>
+          </p:cNvCxnSpPr>
+          <p:nvPr/>
+        </p:nvCxnSpPr>
+        <p:spPr>
+          <a:xfrm>
+            <a:off x="3029863" y="2062791"/>
+            <a:ext cx="866316" cy="963438"/>
+          </a:xfrm>
+          <a:prstGeom prst="straightConnector1">
+            <a:avLst/>
+          </a:prstGeom>
+          <a:ln>
+            <a:tailEnd type="triangle"/>
+          </a:ln>
+        </p:spPr>
+        <p:style>
+          <a:lnRef idx="1">
+            <a:schemeClr val="accent1"/>
+          </a:lnRef>
+          <a:fillRef idx="0">
+            <a:schemeClr val="accent1"/>
+          </a:fillRef>
+          <a:effectRef idx="0">
+            <a:schemeClr val="accent1"/>
+          </a:effectRef>
+          <a:fontRef idx="minor">
+            <a:schemeClr val="tx1"/>
+          </a:fontRef>
+        </p:style>
+      </p:cxnSp>
+      <p:cxnSp>
+        <p:nvCxnSpPr>
+          <p:cNvPr id="163" name="Straight Arrow Connector 162">
+            <a:extLst>
+              <a:ext uri="{FF2B5EF4-FFF2-40B4-BE49-F238E27FC236}">
+                <a16:creationId xmlns:a16="http://schemas.microsoft.com/office/drawing/2014/main" id="{CDD50D96-1C33-4587-9A24-AC8FD3F980B9}"/>
+              </a:ext>
+            </a:extLst>
+          </p:cNvPr>
+          <p:cNvCxnSpPr>
+            <a:cxnSpLocks/>
+            <a:stCxn id="117" idx="3"/>
+            <a:endCxn id="26" idx="2"/>
+          </p:cNvCxnSpPr>
+          <p:nvPr/>
+        </p:nvCxnSpPr>
+        <p:spPr>
+          <a:xfrm>
+            <a:off x="3029863" y="2062791"/>
+            <a:ext cx="866316" cy="1869446"/>
+          </a:xfrm>
+          <a:prstGeom prst="straightConnector1">
+            <a:avLst/>
+          </a:prstGeom>
+          <a:ln>
+            <a:tailEnd type="triangle"/>
+          </a:ln>
+        </p:spPr>
+        <p:style>
+          <a:lnRef idx="1">
+            <a:schemeClr val="accent1"/>
+          </a:lnRef>
+          <a:fillRef idx="0">
+            <a:schemeClr val="accent1"/>
+          </a:fillRef>
+          <a:effectRef idx="0">
+            <a:schemeClr val="accent1"/>
+          </a:effectRef>
+          <a:fontRef idx="minor">
+            <a:schemeClr val="tx1"/>
+          </a:fontRef>
+        </p:style>
+      </p:cxnSp>
+      <p:cxnSp>
+        <p:nvCxnSpPr>
+          <p:cNvPr id="170" name="Straight Arrow Connector 169">
+            <a:extLst>
+              <a:ext uri="{FF2B5EF4-FFF2-40B4-BE49-F238E27FC236}">
+                <a16:creationId xmlns:a16="http://schemas.microsoft.com/office/drawing/2014/main" id="{10D26EB8-3EEB-417D-942E-F7CF09139F94}"/>
+              </a:ext>
+            </a:extLst>
+          </p:cNvPr>
+          <p:cNvCxnSpPr>
+            <a:cxnSpLocks/>
+            <a:stCxn id="118" idx="3"/>
+            <a:endCxn id="2" idx="2"/>
+          </p:cNvCxnSpPr>
+          <p:nvPr/>
+        </p:nvCxnSpPr>
+        <p:spPr>
+          <a:xfrm flipV="1">
+            <a:off x="2984863" y="2068286"/>
+            <a:ext cx="911316" cy="957941"/>
+          </a:xfrm>
+          <a:prstGeom prst="straightConnector1">
+            <a:avLst/>
+          </a:prstGeom>
+          <a:ln>
+            <a:tailEnd type="triangle"/>
+          </a:ln>
+        </p:spPr>
+        <p:style>
+          <a:lnRef idx="1">
+            <a:schemeClr val="accent1"/>
+          </a:lnRef>
+          <a:fillRef idx="0">
+            <a:schemeClr val="accent1"/>
+          </a:fillRef>
+          <a:effectRef idx="0">
+            <a:schemeClr val="accent1"/>
+          </a:effectRef>
+          <a:fontRef idx="minor">
+            <a:schemeClr val="tx1"/>
+          </a:fontRef>
+        </p:style>
+      </p:cxnSp>
+      <p:cxnSp>
+        <p:nvCxnSpPr>
+          <p:cNvPr id="171" name="Straight Arrow Connector 170">
+            <a:extLst>
+              <a:ext uri="{FF2B5EF4-FFF2-40B4-BE49-F238E27FC236}">
+                <a16:creationId xmlns:a16="http://schemas.microsoft.com/office/drawing/2014/main" id="{10FB4835-86D0-4916-9582-07BE72FB6686}"/>
+              </a:ext>
+            </a:extLst>
+          </p:cNvPr>
+          <p:cNvCxnSpPr>
+            <a:cxnSpLocks/>
+            <a:stCxn id="118" idx="3"/>
+            <a:endCxn id="25" idx="2"/>
+          </p:cNvCxnSpPr>
+          <p:nvPr/>
+        </p:nvCxnSpPr>
+        <p:spPr>
+          <a:xfrm>
+            <a:off x="2984863" y="3026227"/>
+            <a:ext cx="911316" cy="2"/>
+          </a:xfrm>
+          <a:prstGeom prst="straightConnector1">
+            <a:avLst/>
+          </a:prstGeom>
+          <a:ln>
+            <a:tailEnd type="triangle"/>
+          </a:ln>
+        </p:spPr>
+        <p:style>
+          <a:lnRef idx="1">
+            <a:schemeClr val="accent1"/>
+          </a:lnRef>
+          <a:fillRef idx="0">
+            <a:schemeClr val="accent1"/>
+          </a:fillRef>
+          <a:effectRef idx="0">
+            <a:schemeClr val="accent1"/>
+          </a:effectRef>
+          <a:fontRef idx="minor">
+            <a:schemeClr val="tx1"/>
+          </a:fontRef>
+        </p:style>
+      </p:cxnSp>
+      <p:cxnSp>
+        <p:nvCxnSpPr>
+          <p:cNvPr id="172" name="Straight Arrow Connector 171">
+            <a:extLst>
+              <a:ext uri="{FF2B5EF4-FFF2-40B4-BE49-F238E27FC236}">
+                <a16:creationId xmlns:a16="http://schemas.microsoft.com/office/drawing/2014/main" id="{6399E03C-5D7C-4568-9FAC-AB69A1403727}"/>
+              </a:ext>
+            </a:extLst>
+          </p:cNvPr>
+          <p:cNvCxnSpPr>
+            <a:cxnSpLocks/>
+            <a:stCxn id="118" idx="3"/>
+            <a:endCxn id="26" idx="2"/>
+          </p:cNvCxnSpPr>
+          <p:nvPr/>
+        </p:nvCxnSpPr>
+        <p:spPr>
+          <a:xfrm>
+            <a:off x="2984863" y="3026227"/>
+            <a:ext cx="911316" cy="906010"/>
+          </a:xfrm>
+          <a:prstGeom prst="straightConnector1">
+            <a:avLst/>
+          </a:prstGeom>
+          <a:ln>
+            <a:tailEnd type="triangle"/>
+          </a:ln>
+        </p:spPr>
+        <p:style>
+          <a:lnRef idx="1">
+            <a:schemeClr val="accent1"/>
+          </a:lnRef>
+          <a:fillRef idx="0">
+            <a:schemeClr val="accent1"/>
+          </a:fillRef>
+          <a:effectRef idx="0">
+            <a:schemeClr val="accent1"/>
+          </a:effectRef>
+          <a:fontRef idx="minor">
+            <a:schemeClr val="tx1"/>
+          </a:fontRef>
+        </p:style>
+      </p:cxnSp>
+      <p:cxnSp>
+        <p:nvCxnSpPr>
+          <p:cNvPr id="179" name="Straight Arrow Connector 178">
+            <a:extLst>
+              <a:ext uri="{FF2B5EF4-FFF2-40B4-BE49-F238E27FC236}">
+                <a16:creationId xmlns:a16="http://schemas.microsoft.com/office/drawing/2014/main" id="{0C466485-B7CB-423C-871C-E65FE582D9E8}"/>
+              </a:ext>
+            </a:extLst>
+          </p:cNvPr>
+          <p:cNvCxnSpPr>
+            <a:cxnSpLocks/>
+            <a:stCxn id="119" idx="3"/>
+            <a:endCxn id="2" idx="2"/>
+          </p:cNvCxnSpPr>
+          <p:nvPr/>
+        </p:nvCxnSpPr>
+        <p:spPr>
+          <a:xfrm flipV="1">
+            <a:off x="2966298" y="2068286"/>
+            <a:ext cx="929881" cy="1862661"/>
+          </a:xfrm>
+          <a:prstGeom prst="straightConnector1">
+            <a:avLst/>
+          </a:prstGeom>
+          <a:ln>
+            <a:tailEnd type="triangle"/>
+          </a:ln>
+        </p:spPr>
+        <p:style>
+          <a:lnRef idx="1">
+            <a:schemeClr val="accent1"/>
+          </a:lnRef>
+          <a:fillRef idx="0">
+            <a:schemeClr val="accent1"/>
+          </a:fillRef>
+          <a:effectRef idx="0">
+            <a:schemeClr val="accent1"/>
+          </a:effectRef>
+          <a:fontRef idx="minor">
+            <a:schemeClr val="tx1"/>
+          </a:fontRef>
+        </p:style>
+      </p:cxnSp>
+      <p:cxnSp>
+        <p:nvCxnSpPr>
+          <p:cNvPr id="180" name="Straight Arrow Connector 179">
+            <a:extLst>
+              <a:ext uri="{FF2B5EF4-FFF2-40B4-BE49-F238E27FC236}">
+                <a16:creationId xmlns:a16="http://schemas.microsoft.com/office/drawing/2014/main" id="{8EDB0C64-2A76-41C6-BE3F-6C2A2CBF286C}"/>
+              </a:ext>
+            </a:extLst>
+          </p:cNvPr>
+          <p:cNvCxnSpPr>
+            <a:cxnSpLocks/>
+            <a:stCxn id="119" idx="3"/>
+            <a:endCxn id="25" idx="2"/>
+          </p:cNvCxnSpPr>
+          <p:nvPr/>
+        </p:nvCxnSpPr>
+        <p:spPr>
+          <a:xfrm flipV="1">
+            <a:off x="2966298" y="3026229"/>
+            <a:ext cx="929881" cy="904718"/>
+          </a:xfrm>
+          <a:prstGeom prst="straightConnector1">
+            <a:avLst/>
+          </a:prstGeom>
+          <a:ln>
+            <a:tailEnd type="triangle"/>
+          </a:ln>
+        </p:spPr>
+        <p:style>
+          <a:lnRef idx="1">
+            <a:schemeClr val="accent1"/>
+          </a:lnRef>
+          <a:fillRef idx="0">
+            <a:schemeClr val="accent1"/>
+          </a:fillRef>
+          <a:effectRef idx="0">
+            <a:schemeClr val="accent1"/>
+          </a:effectRef>
+          <a:fontRef idx="minor">
+            <a:schemeClr val="tx1"/>
+          </a:fontRef>
+        </p:style>
+      </p:cxnSp>
+      <p:cxnSp>
+        <p:nvCxnSpPr>
+          <p:cNvPr id="181" name="Straight Arrow Connector 180">
+            <a:extLst>
+              <a:ext uri="{FF2B5EF4-FFF2-40B4-BE49-F238E27FC236}">
+                <a16:creationId xmlns:a16="http://schemas.microsoft.com/office/drawing/2014/main" id="{642EA8DC-204C-4980-B5CD-B5D285300400}"/>
+              </a:ext>
+            </a:extLst>
+          </p:cNvPr>
+          <p:cNvCxnSpPr>
+            <a:cxnSpLocks/>
+            <a:stCxn id="119" idx="3"/>
+            <a:endCxn id="26" idx="2"/>
+          </p:cNvCxnSpPr>
+          <p:nvPr/>
+        </p:nvCxnSpPr>
+        <p:spPr>
+          <a:xfrm>
+            <a:off x="2966298" y="3930947"/>
+            <a:ext cx="929881" cy="1290"/>
+          </a:xfrm>
+          <a:prstGeom prst="straightConnector1">
+            <a:avLst/>
+          </a:prstGeom>
+          <a:ln>
+            <a:tailEnd type="triangle"/>
+          </a:ln>
+        </p:spPr>
+        <p:style>
+          <a:lnRef idx="1">
+            <a:schemeClr val="accent1"/>
+          </a:lnRef>
+          <a:fillRef idx="0">
+            <a:schemeClr val="accent1"/>
+          </a:fillRef>
+          <a:effectRef idx="0">
+            <a:schemeClr val="accent1"/>
+          </a:effectRef>
+          <a:fontRef idx="minor">
+            <a:schemeClr val="tx1"/>
+          </a:fontRef>
+        </p:style>
+      </p:cxnSp>
+      <p:sp>
+        <p:nvSpPr>
+          <p:cNvPr id="193" name="Rectangle 192">
+            <a:extLst>
+              <a:ext uri="{FF2B5EF4-FFF2-40B4-BE49-F238E27FC236}">
+                <a16:creationId xmlns:a16="http://schemas.microsoft.com/office/drawing/2014/main" id="{B2E9F62A-0274-4BD4-92AB-FF456883A567}"/>
+              </a:ext>
+            </a:extLst>
+          </p:cNvPr>
+          <p:cNvSpPr/>
+          <p:nvPr/>
+        </p:nvSpPr>
+        <p:spPr>
+          <a:xfrm>
+            <a:off x="3663782" y="1567316"/>
+            <a:ext cx="990600" cy="2861792"/>
+          </a:xfrm>
+          <a:prstGeom prst="rect">
+            <a:avLst/>
+          </a:prstGeom>
+          <a:solidFill>
+            <a:schemeClr val="accent5">
+              <a:lumMod val="60000"/>
+              <a:lumOff val="40000"/>
+              <a:alpha val="50000"/>
+            </a:schemeClr>
+          </a:solidFill>
+          <a:ln>
+            <a:noFill/>
+          </a:ln>
+        </p:spPr>
+        <p:style>
+          <a:lnRef idx="0">
+            <a:scrgbClr r="0" g="0" b="0"/>
+          </a:lnRef>
+          <a:fillRef idx="0">
+            <a:scrgbClr r="0" g="0" b="0"/>
+          </a:fillRef>
+          <a:effectRef idx="0">
+            <a:scrgbClr r="0" g="0" b="0"/>
+          </a:effectRef>
+          <a:fontRef idx="minor">
+            <a:schemeClr val="lt1"/>
+          </a:fontRef>
+        </p:style>
+        <p:txBody>
+          <a:bodyPr rtlCol="0" anchor="ctr"/>
+          <a:lstStyle/>
+          <a:p>
+            <a:pPr algn="r"/>
+            <a:endParaRPr lang="en-US"/>
+          </a:p>
+        </p:txBody>
+      </p:sp>
+      <p:sp>
+        <p:nvSpPr>
+          <p:cNvPr id="194" name="TextBox 193">
+            <a:extLst>
+              <a:ext uri="{FF2B5EF4-FFF2-40B4-BE49-F238E27FC236}">
+                <a16:creationId xmlns:a16="http://schemas.microsoft.com/office/drawing/2014/main" id="{1355C182-6F0C-4DB1-B29D-5BC1B52C24AD}"/>
+              </a:ext>
+            </a:extLst>
+          </p:cNvPr>
+          <p:cNvSpPr txBox="1"/>
+          <p:nvPr/>
+        </p:nvSpPr>
+        <p:spPr>
+          <a:xfrm>
+            <a:off x="6948607" y="3682021"/>
+            <a:ext cx="1410258" cy="369332"/>
+          </a:xfrm>
+          <a:prstGeom prst="rect">
+            <a:avLst/>
+          </a:prstGeom>
+          <a:noFill/>
+        </p:spPr>
+        <p:txBody>
+          <a:bodyPr wrap="none" rtlCol="0">
+            <a:spAutoFit/>
+          </a:bodyPr>
+          <a:lstStyle/>
+          <a:p>
+            <a:pPr algn="r"/>
+            <a:r>
+              <a:rPr lang="en-US" dirty="0"/>
+              <a:t>Output Layer</a:t>
+            </a:r>
+          </a:p>
+        </p:txBody>
+      </p:sp>
+      <p:sp>
+        <p:nvSpPr>
+          <p:cNvPr id="195" name="TextBox 194">
+            <a:extLst>
+              <a:ext uri="{FF2B5EF4-FFF2-40B4-BE49-F238E27FC236}">
+                <a16:creationId xmlns:a16="http://schemas.microsoft.com/office/drawing/2014/main" id="{1DE431D6-B321-42C4-847D-ACE5BFFBEAFB}"/>
+              </a:ext>
+            </a:extLst>
+          </p:cNvPr>
+          <p:cNvSpPr txBox="1"/>
+          <p:nvPr/>
+        </p:nvSpPr>
+        <p:spPr>
+          <a:xfrm>
+            <a:off x="5151383" y="5021817"/>
+            <a:ext cx="1416670" cy="369332"/>
+          </a:xfrm>
+          <a:prstGeom prst="rect">
+            <a:avLst/>
+          </a:prstGeom>
+          <a:noFill/>
+        </p:spPr>
+        <p:txBody>
+          <a:bodyPr wrap="none" rtlCol="0">
+            <a:spAutoFit/>
+          </a:bodyPr>
+          <a:lstStyle/>
+          <a:p>
+            <a:pPr algn="r"/>
+            <a:r>
+              <a:rPr lang="en-US" dirty="0"/>
+              <a:t>Hidden Layer</a:t>
+            </a:r>
+          </a:p>
+        </p:txBody>
+      </p:sp>
+      <p:sp>
+        <p:nvSpPr>
+          <p:cNvPr id="196" name="TextBox 195">
+            <a:extLst>
+              <a:ext uri="{FF2B5EF4-FFF2-40B4-BE49-F238E27FC236}">
+                <a16:creationId xmlns:a16="http://schemas.microsoft.com/office/drawing/2014/main" id="{CEE2F1D3-3FF5-4AFF-BE75-935E1F758C50}"/>
+              </a:ext>
+            </a:extLst>
+          </p:cNvPr>
+          <p:cNvSpPr txBox="1"/>
+          <p:nvPr/>
+        </p:nvSpPr>
+        <p:spPr>
+          <a:xfrm>
+            <a:off x="3539713" y="4489027"/>
+            <a:ext cx="1238737" cy="369332"/>
+          </a:xfrm>
+          <a:prstGeom prst="rect">
+            <a:avLst/>
+          </a:prstGeom>
+          <a:noFill/>
+        </p:spPr>
+        <p:txBody>
+          <a:bodyPr wrap="none" rtlCol="0">
+            <a:spAutoFit/>
+          </a:bodyPr>
+          <a:lstStyle/>
+          <a:p>
+            <a:pPr algn="r"/>
+            <a:r>
+              <a:rPr lang="en-US" dirty="0"/>
+              <a:t>Input Layer</a:t>
+            </a:r>
+          </a:p>
+        </p:txBody>
+      </p:sp>
+    </p:spTree>
+    <p:extLst>
+      <p:ext uri="{BB962C8B-B14F-4D97-AF65-F5344CB8AC3E}">
+        <p14:creationId xmlns:p14="http://schemas.microsoft.com/office/powerpoint/2010/main" val="3829230457"/>
       </p:ext>
     </p:extLst>
   </p:cSld>

--- a/graphics.pptx
+++ b/graphics.pptx
@@ -5060,9 +5060,9 @@
             <a:avLst/>
           </a:prstGeom>
           <a:solidFill>
-            <a:srgbClr val="FF8F8F">
+            <a:schemeClr val="accent5">
               <a:alpha val="50000"/>
-            </a:srgbClr>
+            </a:schemeClr>
           </a:solidFill>
           <a:ln>
             <a:noFill/>
@@ -5091,8 +5091,8 @@
           </a:p>
         </p:txBody>
       </p:sp>
-      <mc:AlternateContent xmlns:mc="http://schemas.openxmlformats.org/markup-compatibility/2006">
-        <mc:Choice xmlns:a14="http://schemas.microsoft.com/office/drawing/2010/main" Requires="a14">
+      <mc:AlternateContent xmlns:mc="http://schemas.openxmlformats.org/markup-compatibility/2006" xmlns:a14="http://schemas.microsoft.com/office/drawing/2010/main">
+        <mc:Choice Requires="a14">
           <p:sp>
             <p:nvSpPr>
               <p:cNvPr id="117" name="TextBox 116">
@@ -5121,6 +5121,7 @@
               </a:bodyPr>
               <a:lstStyle/>
               <a:p>
+                <a:pPr/>
                 <a14:m>
                   <m:oMathPara xmlns:m="http://schemas.openxmlformats.org/officeDocument/2006/math">
                     <m:oMathParaPr>
@@ -5189,7 +5190,7 @@
             </p:txBody>
           </p:sp>
         </mc:Choice>
-        <mc:Fallback>
+        <mc:Fallback xmlns="">
           <p:sp>
             <p:nvSpPr>
               <p:cNvPr id="117" name="TextBox 116">
@@ -5234,8 +5235,8 @@
           </p:sp>
         </mc:Fallback>
       </mc:AlternateContent>
-      <mc:AlternateContent xmlns:mc="http://schemas.openxmlformats.org/markup-compatibility/2006">
-        <mc:Choice xmlns:a14="http://schemas.microsoft.com/office/drawing/2010/main" Requires="a14">
+      <mc:AlternateContent xmlns:mc="http://schemas.openxmlformats.org/markup-compatibility/2006" xmlns:a14="http://schemas.microsoft.com/office/drawing/2010/main">
+        <mc:Choice Requires="a14">
           <p:sp>
             <p:nvSpPr>
               <p:cNvPr id="118" name="TextBox 117">
@@ -5264,6 +5265,7 @@
               </a:bodyPr>
               <a:lstStyle/>
               <a:p>
+                <a:pPr/>
                 <a14:m>
                   <m:oMathPara xmlns:m="http://schemas.openxmlformats.org/officeDocument/2006/math">
                     <m:oMathParaPr>
@@ -5332,7 +5334,7 @@
             </p:txBody>
           </p:sp>
         </mc:Choice>
-        <mc:Fallback>
+        <mc:Fallback xmlns="">
           <p:sp>
             <p:nvSpPr>
               <p:cNvPr id="118" name="TextBox 117">
@@ -5377,8 +5379,8 @@
           </p:sp>
         </mc:Fallback>
       </mc:AlternateContent>
-      <mc:AlternateContent xmlns:mc="http://schemas.openxmlformats.org/markup-compatibility/2006">
-        <mc:Choice xmlns:a14="http://schemas.microsoft.com/office/drawing/2010/main" Requires="a14">
+      <mc:AlternateContent xmlns:mc="http://schemas.openxmlformats.org/markup-compatibility/2006" xmlns:a14="http://schemas.microsoft.com/office/drawing/2010/main">
+        <mc:Choice Requires="a14">
           <p:sp>
             <p:nvSpPr>
               <p:cNvPr id="119" name="TextBox 118">
@@ -5407,6 +5409,7 @@
               </a:bodyPr>
               <a:lstStyle/>
               <a:p>
+                <a:pPr/>
                 <a14:m>
                   <m:oMathPara xmlns:m="http://schemas.openxmlformats.org/officeDocument/2006/math">
                     <m:oMathParaPr>
@@ -5447,7 +5450,7 @@
             </p:txBody>
           </p:sp>
         </mc:Choice>
-        <mc:Fallback>
+        <mc:Fallback xmlns="">
           <p:sp>
             <p:nvSpPr>
               <p:cNvPr id="119" name="TextBox 118">
@@ -5513,9 +5516,9 @@
             <a:avLst/>
           </a:prstGeom>
           <a:solidFill>
-            <a:srgbClr val="77E982">
+            <a:schemeClr val="accent5">
               <a:alpha val="50000"/>
-            </a:srgbClr>
+            </a:schemeClr>
           </a:solidFill>
           <a:ln>
             <a:noFill/>
@@ -5544,8 +5547,8 @@
           </a:p>
         </p:txBody>
       </p:sp>
-      <mc:AlternateContent xmlns:mc="http://schemas.openxmlformats.org/markup-compatibility/2006">
-        <mc:Choice xmlns:a14="http://schemas.microsoft.com/office/drawing/2010/main" Requires="a14">
+      <mc:AlternateContent xmlns:mc="http://schemas.openxmlformats.org/markup-compatibility/2006" xmlns:a14="http://schemas.microsoft.com/office/drawing/2010/main">
+        <mc:Choice Requires="a14">
           <p:sp>
             <p:nvSpPr>
               <p:cNvPr id="158" name="TextBox 157">
@@ -5584,8 +5587,8 @@
                       <m:sSub>
                         <m:sSubPr>
                           <m:ctrlPr>
-                            <a:rPr lang="en-US" smtClean="0">
-                              <a:latin typeface="Calibri (Body)"/>
+                            <a:rPr lang="en-US" i="1" smtClean="0">
+                              <a:latin typeface="Cambria Math" panose="02040503050406030204" pitchFamily="18" charset="0"/>
                             </a:rPr>
                           </m:ctrlPr>
                         </m:sSubPr>
@@ -5671,13 +5674,13 @@
                               <m:sty m:val="p"/>
                             </m:rPr>
                             <a:rPr lang="en-US" i="0">
-                              <a:latin typeface="Calibri (Body)"/>
+                              <a:latin typeface="Cambria Math" panose="02040503050406030204" pitchFamily="18" charset="0"/>
                             </a:rPr>
                             <m:t>t</m:t>
                           </m:r>
                           <m:r>
                             <a:rPr lang="en-US" b="0" i="0" smtClean="0">
-                              <a:latin typeface="Calibri (Body)"/>
+                              <a:latin typeface="Cambria Math" panose="02040503050406030204" pitchFamily="18" charset="0"/>
                             </a:rPr>
                             <m:t>+</m:t>
                           </m:r>
@@ -5686,7 +5689,7 @@
                               <m:sty m:val="p"/>
                             </m:rPr>
                             <a:rPr lang="en-US" b="0" i="0" smtClean="0">
-                              <a:latin typeface="Calibri (Body)"/>
+                              <a:latin typeface="Cambria Math" panose="02040503050406030204" pitchFamily="18" charset="0"/>
                             </a:rPr>
                             <m:t>n</m:t>
                           </m:r>
@@ -5694,7 +5697,7 @@
                       </m:sSub>
                       <m:r>
                         <a:rPr lang="en-US" b="0" i="0" smtClean="0">
-                          <a:latin typeface="Calibri (Body)"/>
+                          <a:latin typeface="Cambria Math" panose="02040503050406030204" pitchFamily="18" charset="0"/>
                         </a:rPr>
                         <m:t>)</m:t>
                       </m:r>
@@ -5708,7 +5711,7 @@
             </p:txBody>
           </p:sp>
         </mc:Choice>
-        <mc:Fallback>
+        <mc:Fallback xmlns="">
           <p:sp>
             <p:nvSpPr>
               <p:cNvPr id="158" name="TextBox 157">
@@ -6119,8 +6122,6 @@
           </a:prstGeom>
           <a:solidFill>
             <a:schemeClr val="accent5">
-              <a:lumMod val="60000"/>
-              <a:lumOff val="40000"/>
               <a:alpha val="50000"/>
             </a:schemeClr>
           </a:solidFill>
@@ -7429,9 +7430,9 @@
             <a:avLst/>
           </a:prstGeom>
           <a:solidFill>
-            <a:srgbClr val="FF8F8F">
+            <a:schemeClr val="accent5">
               <a:alpha val="50000"/>
-            </a:srgbClr>
+            </a:schemeClr>
           </a:solidFill>
           <a:ln>
             <a:noFill/>
@@ -7460,8 +7461,8 @@
           </a:p>
         </p:txBody>
       </p:sp>
-      <mc:AlternateContent xmlns:mc="http://schemas.openxmlformats.org/markup-compatibility/2006">
-        <mc:Choice xmlns:a14="http://schemas.microsoft.com/office/drawing/2010/main" Requires="a14">
+      <mc:AlternateContent xmlns:mc="http://schemas.openxmlformats.org/markup-compatibility/2006" xmlns:a14="http://schemas.microsoft.com/office/drawing/2010/main">
+        <mc:Choice Requires="a14">
           <p:sp>
             <p:nvSpPr>
               <p:cNvPr id="117" name="TextBox 116">
@@ -7531,7 +7532,7 @@
             </p:txBody>
           </p:sp>
         </mc:Choice>
-        <mc:Fallback>
+        <mc:Fallback xmlns="">
           <p:sp>
             <p:nvSpPr>
               <p:cNvPr id="117" name="TextBox 116">
@@ -7576,8 +7577,8 @@
           </p:sp>
         </mc:Fallback>
       </mc:AlternateContent>
-      <mc:AlternateContent xmlns:mc="http://schemas.openxmlformats.org/markup-compatibility/2006">
-        <mc:Choice xmlns:a14="http://schemas.microsoft.com/office/drawing/2010/main" Requires="a14">
+      <mc:AlternateContent xmlns:mc="http://schemas.openxmlformats.org/markup-compatibility/2006" xmlns:a14="http://schemas.microsoft.com/office/drawing/2010/main">
+        <mc:Choice Requires="a14">
           <p:sp>
             <p:nvSpPr>
               <p:cNvPr id="118" name="TextBox 117">
@@ -7647,7 +7648,7 @@
             </p:txBody>
           </p:sp>
         </mc:Choice>
-        <mc:Fallback>
+        <mc:Fallback xmlns="">
           <p:sp>
             <p:nvSpPr>
               <p:cNvPr id="118" name="TextBox 117">
@@ -7692,8 +7693,8 @@
           </p:sp>
         </mc:Fallback>
       </mc:AlternateContent>
-      <mc:AlternateContent xmlns:mc="http://schemas.openxmlformats.org/markup-compatibility/2006">
-        <mc:Choice xmlns:a14="http://schemas.microsoft.com/office/drawing/2010/main" Requires="a14">
+      <mc:AlternateContent xmlns:mc="http://schemas.openxmlformats.org/markup-compatibility/2006" xmlns:a14="http://schemas.microsoft.com/office/drawing/2010/main">
+        <mc:Choice Requires="a14">
           <p:sp>
             <p:nvSpPr>
               <p:cNvPr id="119" name="TextBox 118">
@@ -7763,7 +7764,7 @@
             </p:txBody>
           </p:sp>
         </mc:Choice>
-        <mc:Fallback>
+        <mc:Fallback xmlns="">
           <p:sp>
             <p:nvSpPr>
               <p:cNvPr id="119" name="TextBox 118">
@@ -7829,9 +7830,9 @@
             <a:avLst/>
           </a:prstGeom>
           <a:solidFill>
-            <a:srgbClr val="77E982">
+            <a:schemeClr val="accent5">
               <a:alpha val="50000"/>
-            </a:srgbClr>
+            </a:schemeClr>
           </a:solidFill>
           <a:ln>
             <a:noFill/>
@@ -7860,8 +7861,8 @@
           </a:p>
         </p:txBody>
       </p:sp>
-      <mc:AlternateContent xmlns:mc="http://schemas.openxmlformats.org/markup-compatibility/2006">
-        <mc:Choice xmlns:a14="http://schemas.microsoft.com/office/drawing/2010/main" Requires="a14">
+      <mc:AlternateContent xmlns:mc="http://schemas.openxmlformats.org/markup-compatibility/2006" xmlns:a14="http://schemas.microsoft.com/office/drawing/2010/main">
+        <mc:Choice Requires="a14">
           <p:sp>
             <p:nvSpPr>
               <p:cNvPr id="158" name="TextBox 157">
@@ -7912,7 +7913,7 @@
             </p:txBody>
           </p:sp>
         </mc:Choice>
-        <mc:Fallback>
+        <mc:Fallback xmlns="">
           <p:sp>
             <p:nvSpPr>
               <p:cNvPr id="158" name="TextBox 157">
@@ -8323,8 +8324,6 @@
           </a:prstGeom>
           <a:solidFill>
             <a:schemeClr val="accent5">
-              <a:lumMod val="60000"/>
-              <a:lumOff val="40000"/>
               <a:alpha val="50000"/>
             </a:schemeClr>
           </a:solidFill>

--- a/graphics.pptx
+++ b/graphics.pptx
@@ -245,7 +245,7 @@
           <a:p>
             <a:fld id="{37EB6402-05E5-42B7-89F1-73D1DC343623}" type="datetimeFigureOut">
               <a:rPr lang="en-US" smtClean="0"/>
-              <a:t>8/20/2018</a:t>
+              <a:t>8/21/2018</a:t>
             </a:fld>
             <a:endParaRPr lang="en-US"/>
           </a:p>
@@ -415,7 +415,7 @@
           <a:p>
             <a:fld id="{37EB6402-05E5-42B7-89F1-73D1DC343623}" type="datetimeFigureOut">
               <a:rPr lang="en-US" smtClean="0"/>
-              <a:t>8/20/2018</a:t>
+              <a:t>8/21/2018</a:t>
             </a:fld>
             <a:endParaRPr lang="en-US"/>
           </a:p>
@@ -595,7 +595,7 @@
           <a:p>
             <a:fld id="{37EB6402-05E5-42B7-89F1-73D1DC343623}" type="datetimeFigureOut">
               <a:rPr lang="en-US" smtClean="0"/>
-              <a:t>8/20/2018</a:t>
+              <a:t>8/21/2018</a:t>
             </a:fld>
             <a:endParaRPr lang="en-US"/>
           </a:p>
@@ -765,7 +765,7 @@
           <a:p>
             <a:fld id="{37EB6402-05E5-42B7-89F1-73D1DC343623}" type="datetimeFigureOut">
               <a:rPr lang="en-US" smtClean="0"/>
-              <a:t>8/20/2018</a:t>
+              <a:t>8/21/2018</a:t>
             </a:fld>
             <a:endParaRPr lang="en-US"/>
           </a:p>
@@ -1011,7 +1011,7 @@
           <a:p>
             <a:fld id="{37EB6402-05E5-42B7-89F1-73D1DC343623}" type="datetimeFigureOut">
               <a:rPr lang="en-US" smtClean="0"/>
-              <a:t>8/20/2018</a:t>
+              <a:t>8/21/2018</a:t>
             </a:fld>
             <a:endParaRPr lang="en-US"/>
           </a:p>
@@ -1243,7 +1243,7 @@
           <a:p>
             <a:fld id="{37EB6402-05E5-42B7-89F1-73D1DC343623}" type="datetimeFigureOut">
               <a:rPr lang="en-US" smtClean="0"/>
-              <a:t>8/20/2018</a:t>
+              <a:t>8/21/2018</a:t>
             </a:fld>
             <a:endParaRPr lang="en-US"/>
           </a:p>
@@ -1610,7 +1610,7 @@
           <a:p>
             <a:fld id="{37EB6402-05E5-42B7-89F1-73D1DC343623}" type="datetimeFigureOut">
               <a:rPr lang="en-US" smtClean="0"/>
-              <a:t>8/20/2018</a:t>
+              <a:t>8/21/2018</a:t>
             </a:fld>
             <a:endParaRPr lang="en-US"/>
           </a:p>
@@ -1728,7 +1728,7 @@
           <a:p>
             <a:fld id="{37EB6402-05E5-42B7-89F1-73D1DC343623}" type="datetimeFigureOut">
               <a:rPr lang="en-US" smtClean="0"/>
-              <a:t>8/20/2018</a:t>
+              <a:t>8/21/2018</a:t>
             </a:fld>
             <a:endParaRPr lang="en-US"/>
           </a:p>
@@ -1823,7 +1823,7 @@
           <a:p>
             <a:fld id="{37EB6402-05E5-42B7-89F1-73D1DC343623}" type="datetimeFigureOut">
               <a:rPr lang="en-US" smtClean="0"/>
-              <a:t>8/20/2018</a:t>
+              <a:t>8/21/2018</a:t>
             </a:fld>
             <a:endParaRPr lang="en-US"/>
           </a:p>
@@ -2100,7 +2100,7 @@
           <a:p>
             <a:fld id="{37EB6402-05E5-42B7-89F1-73D1DC343623}" type="datetimeFigureOut">
               <a:rPr lang="en-US" smtClean="0"/>
-              <a:t>8/20/2018</a:t>
+              <a:t>8/21/2018</a:t>
             </a:fld>
             <a:endParaRPr lang="en-US"/>
           </a:p>
@@ -2357,7 +2357,7 @@
           <a:p>
             <a:fld id="{37EB6402-05E5-42B7-89F1-73D1DC343623}" type="datetimeFigureOut">
               <a:rPr lang="en-US" smtClean="0"/>
-              <a:t>8/20/2018</a:t>
+              <a:t>8/21/2018</a:t>
             </a:fld>
             <a:endParaRPr lang="en-US"/>
           </a:p>
@@ -2570,7 +2570,7 @@
           <a:p>
             <a:fld id="{37EB6402-05E5-42B7-89F1-73D1DC343623}" type="datetimeFigureOut">
               <a:rPr lang="en-US" smtClean="0"/>
-              <a:t>8/20/2018</a:t>
+              <a:t>8/21/2018</a:t>
             </a:fld>
             <a:endParaRPr lang="en-US"/>
           </a:p>
@@ -3399,7 +3399,7 @@
         <p:spPr>
           <a:xfrm>
             <a:off x="5689736" y="6513275"/>
-            <a:ext cx="1226170" cy="418128"/>
+            <a:ext cx="1104277" cy="369332"/>
           </a:xfrm>
           <a:prstGeom prst="rect">
             <a:avLst/>
@@ -3413,9 +3413,10 @@
           <a:lstStyle/>
           <a:p>
             <a:r>
-              <a:rPr lang="en-US" dirty="0"/>
-              <a:t>Feature 3</a:t>
+              <a:rPr lang="en-US"/>
+              <a:t>Feature N</a:t>
             </a:r>
+            <a:endParaRPr lang="en-US" dirty="0"/>
           </a:p>
         </p:txBody>
       </p:sp>
